--- a/Report/Презентація.pptx
+++ b/Report/Презентація.pptx
@@ -2,8 +2,12 @@
 <file path=ppt/presentation.xml><?xml version="1.0" encoding="utf-8"?>
 <p:presentation xmlns:a="http://schemas.openxmlformats.org/drawingml/2006/main" xmlns:r="http://schemas.openxmlformats.org/officeDocument/2006/relationships" xmlns:p="http://schemas.openxmlformats.org/presentationml/2006/main" saveSubsetFonts="1">
   <p:sldMasterIdLst>
-    <p:sldMasterId id="2147483648" r:id="rId1"/>
+    <p:sldMasterId id="2147483756" r:id="rId1"/>
   </p:sldMasterIdLst>
+  <p:sldIdLst>
+    <p:sldId id="256" r:id="rId2"/>
+    <p:sldId id="257" r:id="rId3"/>
+  </p:sldIdLst>
   <p:sldSz cx="9144000" cy="6858000" type="screen4x3"/>
   <p:notesSz cx="6858000" cy="9144000"/>
   <p:defaultTextStyle>
@@ -107,6 +111,11 @@
 <file path=ppt/slideLayouts/slideLayout1.xml><?xml version="1.0" encoding="utf-8"?>
 <p:sldLayout xmlns:a="http://schemas.openxmlformats.org/drawingml/2006/main" xmlns:r="http://schemas.openxmlformats.org/officeDocument/2006/relationships" xmlns:p="http://schemas.openxmlformats.org/presentationml/2006/main" type="title" preserve="1">
   <p:cSld name="Титульный слайд">
+    <p:bg>
+      <p:bgRef idx="1002">
+        <a:schemeClr val="bg2"/>
+      </p:bgRef>
+    </p:bg>
     <p:spTree>
       <p:nvGrpSpPr>
         <p:cNvPr id="1" name=""/>
@@ -123,7 +132,7 @@
       </p:grpSpPr>
       <p:sp>
         <p:nvSpPr>
-          <p:cNvPr id="2" name="Заголовок 1"/>
+          <p:cNvPr id="9" name="Title 8"/>
           <p:cNvSpPr>
             <a:spLocks noGrp="1"/>
           </p:cNvSpPr>
@@ -133,144 +142,131 @@
         </p:nvSpPr>
         <p:spPr>
           <a:xfrm>
-            <a:off x="685800" y="2130425"/>
-            <a:ext cx="7772400" cy="1470025"/>
+            <a:off x="533400" y="1371600"/>
+            <a:ext cx="7851648" cy="1828800"/>
+          </a:xfrm>
+          <a:ln>
+            <a:noFill/>
+          </a:ln>
+        </p:spPr>
+        <p:txBody>
+          <a:bodyPr vert="horz" tIns="0" rIns="18288" bIns="0" anchor="b">
+            <a:normAutofit/>
+            <a:scene3d>
+              <a:camera prst="orthographicFront"/>
+              <a:lightRig rig="freezing" dir="t">
+                <a:rot lat="0" lon="0" rev="5640000"/>
+              </a:lightRig>
+            </a:scene3d>
+            <a:sp3d prstMaterial="flat">
+              <a:bevelT w="38100" h="38100"/>
+              <a:contourClr>
+                <a:schemeClr val="tx2"/>
+              </a:contourClr>
+            </a:sp3d>
+          </a:bodyPr>
+          <a:lstStyle>
+            <a:lvl1pPr algn="r" rtl="0">
+              <a:spcBef>
+                <a:spcPct val="0"/>
+              </a:spcBef>
+              <a:buNone/>
+              <a:defRPr sz="5600" b="1">
+                <a:ln>
+                  <a:noFill/>
+                </a:ln>
+                <a:solidFill>
+                  <a:schemeClr val="accent3">
+                    <a:tint val="90000"/>
+                    <a:satMod val="120000"/>
+                  </a:schemeClr>
+                </a:solidFill>
+                <a:effectLst>
+                  <a:outerShdw blurRad="38100" dist="25400" dir="5400000" algn="tl" rotWithShape="0">
+                    <a:srgbClr val="000000">
+                      <a:alpha val="43000"/>
+                    </a:srgbClr>
+                  </a:outerShdw>
+                </a:effectLst>
+                <a:latin typeface="+mj-lt"/>
+                <a:ea typeface="+mj-ea"/>
+                <a:cs typeface="+mj-cs"/>
+              </a:defRPr>
+            </a:lvl1pPr>
+          </a:lstStyle>
+          <a:p>
+            <a:r>
+              <a:rPr kumimoji="0" lang="ru-RU" smtClean="0"/>
+              <a:t>Образец заголовка</a:t>
+            </a:r>
+            <a:endParaRPr kumimoji="0" lang="en-US"/>
+          </a:p>
+        </p:txBody>
+      </p:sp>
+      <p:sp>
+        <p:nvSpPr>
+          <p:cNvPr id="17" name="Subtitle 16"/>
+          <p:cNvSpPr>
+            <a:spLocks noGrp="1"/>
+          </p:cNvSpPr>
+          <p:nvPr>
+            <p:ph type="subTitle" idx="1"/>
+          </p:nvPr>
+        </p:nvSpPr>
+        <p:spPr>
+          <a:xfrm>
+            <a:off x="533400" y="3228536"/>
+            <a:ext cx="7854696" cy="1752600"/>
           </a:xfrm>
         </p:spPr>
         <p:txBody>
-          <a:bodyPr/>
-          <a:lstStyle/>
-          <a:p>
-            <a:r>
-              <a:rPr lang="ru-RU" smtClean="0"/>
-              <a:t>Образец заголовка</a:t>
-            </a:r>
-            <a:endParaRPr lang="ru-RU"/>
-          </a:p>
-        </p:txBody>
-      </p:sp>
-      <p:sp>
-        <p:nvSpPr>
-          <p:cNvPr id="3" name="Подзаголовок 2"/>
-          <p:cNvSpPr>
-            <a:spLocks noGrp="1"/>
-          </p:cNvSpPr>
-          <p:nvPr>
-            <p:ph type="subTitle" idx="1"/>
-          </p:nvPr>
-        </p:nvSpPr>
-        <p:spPr>
-          <a:xfrm>
-            <a:off x="1371600" y="3886200"/>
-            <a:ext cx="6400800" cy="1752600"/>
-          </a:xfrm>
-        </p:spPr>
-        <p:txBody>
-          <a:bodyPr/>
+          <a:bodyPr lIns="0" rIns="18288"/>
           <a:lstStyle>
-            <a:lvl1pPr marL="0" indent="0" algn="ctr">
+            <a:lvl1pPr marL="0" marR="45720" indent="0" algn="r">
               <a:buNone/>
               <a:defRPr>
                 <a:solidFill>
-                  <a:schemeClr val="tx1">
-                    <a:tint val="75000"/>
-                  </a:schemeClr>
+                  <a:schemeClr val="tx1"/>
                 </a:solidFill>
               </a:defRPr>
             </a:lvl1pPr>
             <a:lvl2pPr marL="457200" indent="0" algn="ctr">
               <a:buNone/>
-              <a:defRPr>
-                <a:solidFill>
-                  <a:schemeClr val="tx1">
-                    <a:tint val="75000"/>
-                  </a:schemeClr>
-                </a:solidFill>
-              </a:defRPr>
             </a:lvl2pPr>
             <a:lvl3pPr marL="914400" indent="0" algn="ctr">
               <a:buNone/>
-              <a:defRPr>
-                <a:solidFill>
-                  <a:schemeClr val="tx1">
-                    <a:tint val="75000"/>
-                  </a:schemeClr>
-                </a:solidFill>
-              </a:defRPr>
             </a:lvl3pPr>
             <a:lvl4pPr marL="1371600" indent="0" algn="ctr">
               <a:buNone/>
-              <a:defRPr>
-                <a:solidFill>
-                  <a:schemeClr val="tx1">
-                    <a:tint val="75000"/>
-                  </a:schemeClr>
-                </a:solidFill>
-              </a:defRPr>
             </a:lvl4pPr>
             <a:lvl5pPr marL="1828800" indent="0" algn="ctr">
               <a:buNone/>
-              <a:defRPr>
-                <a:solidFill>
-                  <a:schemeClr val="tx1">
-                    <a:tint val="75000"/>
-                  </a:schemeClr>
-                </a:solidFill>
-              </a:defRPr>
             </a:lvl5pPr>
             <a:lvl6pPr marL="2286000" indent="0" algn="ctr">
               <a:buNone/>
-              <a:defRPr>
-                <a:solidFill>
-                  <a:schemeClr val="tx1">
-                    <a:tint val="75000"/>
-                  </a:schemeClr>
-                </a:solidFill>
-              </a:defRPr>
             </a:lvl6pPr>
             <a:lvl7pPr marL="2743200" indent="0" algn="ctr">
               <a:buNone/>
-              <a:defRPr>
-                <a:solidFill>
-                  <a:schemeClr val="tx1">
-                    <a:tint val="75000"/>
-                  </a:schemeClr>
-                </a:solidFill>
-              </a:defRPr>
             </a:lvl7pPr>
             <a:lvl8pPr marL="3200400" indent="0" algn="ctr">
               <a:buNone/>
-              <a:defRPr>
-                <a:solidFill>
-                  <a:schemeClr val="tx1">
-                    <a:tint val="75000"/>
-                  </a:schemeClr>
-                </a:solidFill>
-              </a:defRPr>
             </a:lvl8pPr>
             <a:lvl9pPr marL="3657600" indent="0" algn="ctr">
               <a:buNone/>
-              <a:defRPr>
-                <a:solidFill>
-                  <a:schemeClr val="tx1">
-                    <a:tint val="75000"/>
-                  </a:schemeClr>
-                </a:solidFill>
-              </a:defRPr>
             </a:lvl9pPr>
           </a:lstStyle>
           <a:p>
             <a:r>
-              <a:rPr lang="ru-RU" smtClean="0"/>
+              <a:rPr kumimoji="0" lang="ru-RU" smtClean="0"/>
               <a:t>Образец подзаголовка</a:t>
             </a:r>
-            <a:endParaRPr lang="ru-RU"/>
-          </a:p>
-        </p:txBody>
-      </p:sp>
-      <p:sp>
-        <p:nvSpPr>
-          <p:cNvPr id="4" name="Дата 3"/>
+            <a:endParaRPr kumimoji="0" lang="en-US"/>
+          </a:p>
+        </p:txBody>
+      </p:sp>
+      <p:sp>
+        <p:nvSpPr>
+          <p:cNvPr id="30" name="Date Placeholder 29"/>
           <p:cNvSpPr>
             <a:spLocks noGrp="1"/>
           </p:cNvSpPr>
@@ -285,7 +281,7 @@
           <a:p>
             <a:fld id="{B4C71EC6-210F-42DE-9C53-41977AD35B3D}" type="datetimeFigureOut">
               <a:rPr lang="ru-RU" smtClean="0"/>
-              <a:t>12.11.2009</a:t>
+              <a:t>21.06.2018</a:t>
             </a:fld>
             <a:endParaRPr lang="ru-RU"/>
           </a:p>
@@ -293,7 +289,7 @@
       </p:sp>
       <p:sp>
         <p:nvSpPr>
-          <p:cNvPr id="5" name="Нижний колонтитул 4"/>
+          <p:cNvPr id="19" name="Footer Placeholder 18"/>
           <p:cNvSpPr>
             <a:spLocks noGrp="1"/>
           </p:cNvSpPr>
@@ -312,7 +308,7 @@
       </p:sp>
       <p:sp>
         <p:nvSpPr>
-          <p:cNvPr id="6" name="Номер слайда 5"/>
+          <p:cNvPr id="27" name="Slide Number Placeholder 26"/>
           <p:cNvSpPr>
             <a:spLocks noGrp="1"/>
           </p:cNvSpPr>
@@ -336,7 +332,7 @@
     </p:spTree>
   </p:cSld>
   <p:clrMapOvr>
-    <a:masterClrMapping/>
+    <a:overrideClrMapping bg1="dk1" tx1="lt1" bg2="dk2" tx2="lt2" accent1="accent1" accent2="accent2" accent3="accent3" accent4="accent4" accent5="accent5" accent6="accent6" hlink="hlink" folHlink="folHlink"/>
   </p:clrMapOvr>
 </p:sldLayout>
 </file>
@@ -360,7 +356,7 @@
       </p:grpSpPr>
       <p:sp>
         <p:nvSpPr>
-          <p:cNvPr id="2" name="Заголовок 1"/>
+          <p:cNvPr id="2" name="Title 1"/>
           <p:cNvSpPr>
             <a:spLocks noGrp="1"/>
           </p:cNvSpPr>
@@ -374,16 +370,16 @@
           <a:lstStyle/>
           <a:p>
             <a:r>
-              <a:rPr lang="ru-RU" smtClean="0"/>
+              <a:rPr kumimoji="0" lang="ru-RU" smtClean="0"/>
               <a:t>Образец заголовка</a:t>
             </a:r>
-            <a:endParaRPr lang="ru-RU"/>
-          </a:p>
-        </p:txBody>
-      </p:sp>
-      <p:sp>
-        <p:nvSpPr>
-          <p:cNvPr id="3" name="Вертикальный текст 2"/>
+            <a:endParaRPr kumimoji="0" lang="en-US"/>
+          </a:p>
+        </p:txBody>
+      </p:sp>
+      <p:sp>
+        <p:nvSpPr>
+          <p:cNvPr id="3" name="Vertical Text Placeholder 2"/>
           <p:cNvSpPr>
             <a:spLocks noGrp="1"/>
           </p:cNvSpPr>
@@ -396,46 +392,46 @@
           <a:bodyPr vert="eaVert"/>
           <a:lstStyle/>
           <a:p>
-            <a:pPr lvl="0"/>
+            <a:pPr lvl="0" eaLnBrk="1" latinLnBrk="0" hangingPunct="1"/>
             <a:r>
               <a:rPr lang="ru-RU" smtClean="0"/>
               <a:t>Образец текста</a:t>
             </a:r>
           </a:p>
           <a:p>
-            <a:pPr lvl="1"/>
+            <a:pPr lvl="1" eaLnBrk="1" latinLnBrk="0" hangingPunct="1"/>
             <a:r>
               <a:rPr lang="ru-RU" smtClean="0"/>
               <a:t>Второй уровень</a:t>
             </a:r>
           </a:p>
           <a:p>
-            <a:pPr lvl="2"/>
+            <a:pPr lvl="2" eaLnBrk="1" latinLnBrk="0" hangingPunct="1"/>
             <a:r>
               <a:rPr lang="ru-RU" smtClean="0"/>
               <a:t>Третий уровень</a:t>
             </a:r>
           </a:p>
           <a:p>
-            <a:pPr lvl="3"/>
+            <a:pPr lvl="3" eaLnBrk="1" latinLnBrk="0" hangingPunct="1"/>
             <a:r>
               <a:rPr lang="ru-RU" smtClean="0"/>
               <a:t>Четвертый уровень</a:t>
             </a:r>
           </a:p>
           <a:p>
-            <a:pPr lvl="4"/>
+            <a:pPr lvl="4" eaLnBrk="1" latinLnBrk="0" hangingPunct="1"/>
             <a:r>
               <a:rPr lang="ru-RU" smtClean="0"/>
               <a:t>Пятый уровень</a:t>
             </a:r>
-            <a:endParaRPr lang="ru-RU"/>
-          </a:p>
-        </p:txBody>
-      </p:sp>
-      <p:sp>
-        <p:nvSpPr>
-          <p:cNvPr id="4" name="Дата 3"/>
+            <a:endParaRPr kumimoji="0" lang="en-US"/>
+          </a:p>
+        </p:txBody>
+      </p:sp>
+      <p:sp>
+        <p:nvSpPr>
+          <p:cNvPr id="4" name="Date Placeholder 3"/>
           <p:cNvSpPr>
             <a:spLocks noGrp="1"/>
           </p:cNvSpPr>
@@ -450,7 +446,7 @@
           <a:p>
             <a:fld id="{B4C71EC6-210F-42DE-9C53-41977AD35B3D}" type="datetimeFigureOut">
               <a:rPr lang="ru-RU" smtClean="0"/>
-              <a:t>12.11.2009</a:t>
+              <a:t>21.06.2018</a:t>
             </a:fld>
             <a:endParaRPr lang="ru-RU"/>
           </a:p>
@@ -458,7 +454,7 @@
       </p:sp>
       <p:sp>
         <p:nvSpPr>
-          <p:cNvPr id="5" name="Нижний колонтитул 4"/>
+          <p:cNvPr id="5" name="Footer Placeholder 4"/>
           <p:cNvSpPr>
             <a:spLocks noGrp="1"/>
           </p:cNvSpPr>
@@ -477,7 +473,7 @@
       </p:sp>
       <p:sp>
         <p:nvSpPr>
-          <p:cNvPr id="6" name="Номер слайда 5"/>
+          <p:cNvPr id="6" name="Slide Number Placeholder 5"/>
           <p:cNvSpPr>
             <a:spLocks noGrp="1"/>
           </p:cNvSpPr>
@@ -525,7 +521,7 @@
       </p:grpSpPr>
       <p:sp>
         <p:nvSpPr>
-          <p:cNvPr id="2" name="Вертикальный заголовок 1"/>
+          <p:cNvPr id="2" name="Vertical Title 1"/>
           <p:cNvSpPr>
             <a:spLocks noGrp="1"/>
           </p:cNvSpPr>
@@ -535,8 +531,8 @@
         </p:nvSpPr>
         <p:spPr>
           <a:xfrm>
-            <a:off x="6629400" y="274638"/>
-            <a:ext cx="2057400" cy="5851525"/>
+            <a:off x="6629400" y="914401"/>
+            <a:ext cx="2057400" cy="5211763"/>
           </a:xfrm>
         </p:spPr>
         <p:txBody>
@@ -544,16 +540,16 @@
           <a:lstStyle/>
           <a:p>
             <a:r>
-              <a:rPr lang="ru-RU" smtClean="0"/>
+              <a:rPr kumimoji="0" lang="ru-RU" smtClean="0"/>
               <a:t>Образец заголовка</a:t>
             </a:r>
-            <a:endParaRPr lang="ru-RU"/>
-          </a:p>
-        </p:txBody>
-      </p:sp>
-      <p:sp>
-        <p:nvSpPr>
-          <p:cNvPr id="3" name="Вертикальный текст 2"/>
+            <a:endParaRPr kumimoji="0" lang="en-US"/>
+          </a:p>
+        </p:txBody>
+      </p:sp>
+      <p:sp>
+        <p:nvSpPr>
+          <p:cNvPr id="3" name="Vertical Text Placeholder 2"/>
           <p:cNvSpPr>
             <a:spLocks noGrp="1"/>
           </p:cNvSpPr>
@@ -563,54 +559,54 @@
         </p:nvSpPr>
         <p:spPr>
           <a:xfrm>
-            <a:off x="457200" y="274638"/>
-            <a:ext cx="6019800" cy="5851525"/>
+            <a:off x="457200" y="914401"/>
+            <a:ext cx="6019800" cy="5211763"/>
           </a:xfrm>
         </p:spPr>
         <p:txBody>
           <a:bodyPr vert="eaVert"/>
           <a:lstStyle/>
           <a:p>
-            <a:pPr lvl="0"/>
+            <a:pPr lvl="0" eaLnBrk="1" latinLnBrk="0" hangingPunct="1"/>
             <a:r>
               <a:rPr lang="ru-RU" smtClean="0"/>
               <a:t>Образец текста</a:t>
             </a:r>
           </a:p>
           <a:p>
-            <a:pPr lvl="1"/>
+            <a:pPr lvl="1" eaLnBrk="1" latinLnBrk="0" hangingPunct="1"/>
             <a:r>
               <a:rPr lang="ru-RU" smtClean="0"/>
               <a:t>Второй уровень</a:t>
             </a:r>
           </a:p>
           <a:p>
-            <a:pPr lvl="2"/>
+            <a:pPr lvl="2" eaLnBrk="1" latinLnBrk="0" hangingPunct="1"/>
             <a:r>
               <a:rPr lang="ru-RU" smtClean="0"/>
               <a:t>Третий уровень</a:t>
             </a:r>
           </a:p>
           <a:p>
-            <a:pPr lvl="3"/>
+            <a:pPr lvl="3" eaLnBrk="1" latinLnBrk="0" hangingPunct="1"/>
             <a:r>
               <a:rPr lang="ru-RU" smtClean="0"/>
               <a:t>Четвертый уровень</a:t>
             </a:r>
           </a:p>
           <a:p>
-            <a:pPr lvl="4"/>
+            <a:pPr lvl="4" eaLnBrk="1" latinLnBrk="0" hangingPunct="1"/>
             <a:r>
               <a:rPr lang="ru-RU" smtClean="0"/>
               <a:t>Пятый уровень</a:t>
             </a:r>
-            <a:endParaRPr lang="ru-RU"/>
-          </a:p>
-        </p:txBody>
-      </p:sp>
-      <p:sp>
-        <p:nvSpPr>
-          <p:cNvPr id="4" name="Дата 3"/>
+            <a:endParaRPr kumimoji="0" lang="en-US"/>
+          </a:p>
+        </p:txBody>
+      </p:sp>
+      <p:sp>
+        <p:nvSpPr>
+          <p:cNvPr id="4" name="Date Placeholder 3"/>
           <p:cNvSpPr>
             <a:spLocks noGrp="1"/>
           </p:cNvSpPr>
@@ -625,7 +621,7 @@
           <a:p>
             <a:fld id="{B4C71EC6-210F-42DE-9C53-41977AD35B3D}" type="datetimeFigureOut">
               <a:rPr lang="ru-RU" smtClean="0"/>
-              <a:t>12.11.2009</a:t>
+              <a:t>21.06.2018</a:t>
             </a:fld>
             <a:endParaRPr lang="ru-RU"/>
           </a:p>
@@ -633,7 +629,7 @@
       </p:sp>
       <p:sp>
         <p:nvSpPr>
-          <p:cNvPr id="5" name="Нижний колонтитул 4"/>
+          <p:cNvPr id="5" name="Footer Placeholder 4"/>
           <p:cNvSpPr>
             <a:spLocks noGrp="1"/>
           </p:cNvSpPr>
@@ -652,7 +648,7 @@
       </p:sp>
       <p:sp>
         <p:nvSpPr>
-          <p:cNvPr id="6" name="Номер слайда 5"/>
+          <p:cNvPr id="6" name="Slide Number Placeholder 5"/>
           <p:cNvSpPr>
             <a:spLocks noGrp="1"/>
           </p:cNvSpPr>
@@ -700,7 +696,7 @@
       </p:grpSpPr>
       <p:sp>
         <p:nvSpPr>
-          <p:cNvPr id="2" name="Заголовок 1"/>
+          <p:cNvPr id="2" name="Title 1"/>
           <p:cNvSpPr>
             <a:spLocks noGrp="1"/>
           </p:cNvSpPr>
@@ -714,16 +710,16 @@
           <a:lstStyle/>
           <a:p>
             <a:r>
-              <a:rPr lang="ru-RU" smtClean="0"/>
+              <a:rPr kumimoji="0" lang="ru-RU" smtClean="0"/>
               <a:t>Образец заголовка</a:t>
             </a:r>
-            <a:endParaRPr lang="ru-RU"/>
-          </a:p>
-        </p:txBody>
-      </p:sp>
-      <p:sp>
-        <p:nvSpPr>
-          <p:cNvPr id="3" name="Содержимое 2"/>
+            <a:endParaRPr kumimoji="0" lang="en-US"/>
+          </a:p>
+        </p:txBody>
+      </p:sp>
+      <p:sp>
+        <p:nvSpPr>
+          <p:cNvPr id="3" name="Content Placeholder 2"/>
           <p:cNvSpPr>
             <a:spLocks noGrp="1"/>
           </p:cNvSpPr>
@@ -736,46 +732,46 @@
           <a:bodyPr/>
           <a:lstStyle/>
           <a:p>
-            <a:pPr lvl="0"/>
+            <a:pPr lvl="0" eaLnBrk="1" latinLnBrk="0" hangingPunct="1"/>
             <a:r>
               <a:rPr lang="ru-RU" smtClean="0"/>
               <a:t>Образец текста</a:t>
             </a:r>
           </a:p>
           <a:p>
-            <a:pPr lvl="1"/>
+            <a:pPr lvl="1" eaLnBrk="1" latinLnBrk="0" hangingPunct="1"/>
             <a:r>
               <a:rPr lang="ru-RU" smtClean="0"/>
               <a:t>Второй уровень</a:t>
             </a:r>
           </a:p>
           <a:p>
-            <a:pPr lvl="2"/>
+            <a:pPr lvl="2" eaLnBrk="1" latinLnBrk="0" hangingPunct="1"/>
             <a:r>
               <a:rPr lang="ru-RU" smtClean="0"/>
               <a:t>Третий уровень</a:t>
             </a:r>
           </a:p>
           <a:p>
-            <a:pPr lvl="3"/>
+            <a:pPr lvl="3" eaLnBrk="1" latinLnBrk="0" hangingPunct="1"/>
             <a:r>
               <a:rPr lang="ru-RU" smtClean="0"/>
               <a:t>Четвертый уровень</a:t>
             </a:r>
           </a:p>
           <a:p>
-            <a:pPr lvl="4"/>
+            <a:pPr lvl="4" eaLnBrk="1" latinLnBrk="0" hangingPunct="1"/>
             <a:r>
               <a:rPr lang="ru-RU" smtClean="0"/>
               <a:t>Пятый уровень</a:t>
             </a:r>
-            <a:endParaRPr lang="ru-RU"/>
-          </a:p>
-        </p:txBody>
-      </p:sp>
-      <p:sp>
-        <p:nvSpPr>
-          <p:cNvPr id="4" name="Дата 3"/>
+            <a:endParaRPr kumimoji="0" lang="en-US"/>
+          </a:p>
+        </p:txBody>
+      </p:sp>
+      <p:sp>
+        <p:nvSpPr>
+          <p:cNvPr id="4" name="Date Placeholder 3"/>
           <p:cNvSpPr>
             <a:spLocks noGrp="1"/>
           </p:cNvSpPr>
@@ -790,7 +786,7 @@
           <a:p>
             <a:fld id="{B4C71EC6-210F-42DE-9C53-41977AD35B3D}" type="datetimeFigureOut">
               <a:rPr lang="ru-RU" smtClean="0"/>
-              <a:t>12.11.2009</a:t>
+              <a:t>21.06.2018</a:t>
             </a:fld>
             <a:endParaRPr lang="ru-RU"/>
           </a:p>
@@ -798,7 +794,7 @@
       </p:sp>
       <p:sp>
         <p:nvSpPr>
-          <p:cNvPr id="5" name="Нижний колонтитул 4"/>
+          <p:cNvPr id="5" name="Footer Placeholder 4"/>
           <p:cNvSpPr>
             <a:spLocks noGrp="1"/>
           </p:cNvSpPr>
@@ -817,7 +813,7 @@
       </p:sp>
       <p:sp>
         <p:nvSpPr>
-          <p:cNvPr id="6" name="Номер слайда 5"/>
+          <p:cNvPr id="6" name="Slide Number Placeholder 5"/>
           <p:cNvSpPr>
             <a:spLocks noGrp="1"/>
           </p:cNvSpPr>
@@ -849,6 +845,11 @@
 <file path=ppt/slideLayouts/slideLayout3.xml><?xml version="1.0" encoding="utf-8"?>
 <p:sldLayout xmlns:a="http://schemas.openxmlformats.org/drawingml/2006/main" xmlns:r="http://schemas.openxmlformats.org/officeDocument/2006/relationships" xmlns:p="http://schemas.openxmlformats.org/presentationml/2006/main" type="secHead" preserve="1">
   <p:cSld name="Заголовок раздела">
+    <p:bg>
+      <p:bgRef idx="1002">
+        <a:schemeClr val="bg2"/>
+      </p:bgRef>
+    </p:bg>
     <p:spTree>
       <p:nvGrpSpPr>
         <p:cNvPr id="1" name=""/>
@@ -865,7 +866,7 @@
       </p:grpSpPr>
       <p:sp>
         <p:nvSpPr>
-          <p:cNvPr id="2" name="Заголовок 1"/>
+          <p:cNvPr id="2" name="Title 1"/>
           <p:cNvSpPr>
             <a:spLocks noGrp="1"/>
           </p:cNvSpPr>
@@ -875,56 +876,92 @@
         </p:nvSpPr>
         <p:spPr>
           <a:xfrm>
-            <a:off x="722313" y="4406900"/>
-            <a:ext cx="7772400" cy="1362075"/>
+            <a:off x="530352" y="1316736"/>
+            <a:ext cx="7772400" cy="1362456"/>
+          </a:xfrm>
+          <a:ln>
+            <a:noFill/>
+          </a:ln>
+        </p:spPr>
+        <p:txBody>
+          <a:bodyPr vert="horz" tIns="0" bIns="0" anchor="b">
+            <a:noAutofit/>
+            <a:scene3d>
+              <a:camera prst="orthographicFront"/>
+              <a:lightRig rig="freezing" dir="t">
+                <a:rot lat="0" lon="0" rev="5640000"/>
+              </a:lightRig>
+            </a:scene3d>
+            <a:sp3d prstMaterial="flat">
+              <a:bevelT w="38100" h="38100"/>
+            </a:sp3d>
+          </a:bodyPr>
+          <a:lstStyle>
+            <a:lvl1pPr algn="l" rtl="0">
+              <a:spcBef>
+                <a:spcPct val="0"/>
+              </a:spcBef>
+              <a:buNone/>
+              <a:defRPr lang="en-US" sz="5600" b="1" cap="none" baseline="0" dirty="0">
+                <a:ln w="635">
+                  <a:noFill/>
+                </a:ln>
+                <a:solidFill>
+                  <a:schemeClr val="accent4">
+                    <a:tint val="90000"/>
+                    <a:satMod val="125000"/>
+                  </a:schemeClr>
+                </a:solidFill>
+                <a:effectLst>
+                  <a:outerShdw blurRad="38100" dist="25400" dir="5400000" algn="tl" rotWithShape="0">
+                    <a:srgbClr val="000000">
+                      <a:alpha val="43000"/>
+                    </a:srgbClr>
+                  </a:outerShdw>
+                </a:effectLst>
+                <a:latin typeface="+mj-lt"/>
+                <a:ea typeface="+mj-ea"/>
+                <a:cs typeface="+mj-cs"/>
+              </a:defRPr>
+            </a:lvl1pPr>
+          </a:lstStyle>
+          <a:p>
+            <a:r>
+              <a:rPr kumimoji="0" lang="ru-RU" smtClean="0"/>
+              <a:t>Образец заголовка</a:t>
+            </a:r>
+            <a:endParaRPr kumimoji="0" lang="en-US"/>
+          </a:p>
+        </p:txBody>
+      </p:sp>
+      <p:sp>
+        <p:nvSpPr>
+          <p:cNvPr id="3" name="Text Placeholder 2"/>
+          <p:cNvSpPr>
+            <a:spLocks noGrp="1"/>
+          </p:cNvSpPr>
+          <p:nvPr>
+            <p:ph type="body" idx="1"/>
+          </p:nvPr>
+        </p:nvSpPr>
+        <p:spPr>
+          <a:xfrm>
+            <a:off x="530352" y="2704664"/>
+            <a:ext cx="7772400" cy="1509712"/>
           </a:xfrm>
         </p:spPr>
         <p:txBody>
-          <a:bodyPr anchor="t"/>
-          <a:lstStyle>
-            <a:lvl1pPr algn="l">
-              <a:defRPr sz="4000" b="1" cap="all"/>
-            </a:lvl1pPr>
-          </a:lstStyle>
-          <a:p>
-            <a:r>
-              <a:rPr lang="ru-RU" smtClean="0"/>
-              <a:t>Образец заголовка</a:t>
-            </a:r>
-            <a:endParaRPr lang="ru-RU"/>
-          </a:p>
-        </p:txBody>
-      </p:sp>
-      <p:sp>
-        <p:nvSpPr>
-          <p:cNvPr id="3" name="Текст 2"/>
-          <p:cNvSpPr>
-            <a:spLocks noGrp="1"/>
-          </p:cNvSpPr>
-          <p:nvPr>
-            <p:ph type="body" idx="1"/>
-          </p:nvPr>
-        </p:nvSpPr>
-        <p:spPr>
-          <a:xfrm>
-            <a:off x="722313" y="2906713"/>
-            <a:ext cx="7772400" cy="1500187"/>
-          </a:xfrm>
-        </p:spPr>
-        <p:txBody>
-          <a:bodyPr anchor="b"/>
+          <a:bodyPr lIns="45720" rIns="45720" anchor="t"/>
           <a:lstStyle>
             <a:lvl1pPr marL="0" indent="0">
               <a:buNone/>
-              <a:defRPr sz="2000">
+              <a:defRPr sz="2200">
                 <a:solidFill>
-                  <a:schemeClr val="tx1">
-                    <a:tint val="75000"/>
-                  </a:schemeClr>
+                  <a:schemeClr val="tx1"/>
                 </a:solidFill>
               </a:defRPr>
             </a:lvl1pPr>
-            <a:lvl2pPr marL="457200" indent="0">
+            <a:lvl2pPr>
               <a:buNone/>
               <a:defRPr sz="1800">
                 <a:solidFill>
@@ -934,7 +971,7 @@
                 </a:solidFill>
               </a:defRPr>
             </a:lvl2pPr>
-            <a:lvl3pPr marL="914400" indent="0">
+            <a:lvl3pPr>
               <a:buNone/>
               <a:defRPr sz="1600">
                 <a:solidFill>
@@ -944,7 +981,7 @@
                 </a:solidFill>
               </a:defRPr>
             </a:lvl3pPr>
-            <a:lvl4pPr marL="1371600" indent="0">
+            <a:lvl4pPr>
               <a:buNone/>
               <a:defRPr sz="1400">
                 <a:solidFill>
@@ -954,7 +991,7 @@
                 </a:solidFill>
               </a:defRPr>
             </a:lvl4pPr>
-            <a:lvl5pPr marL="1828800" indent="0">
+            <a:lvl5pPr>
               <a:buNone/>
               <a:defRPr sz="1400">
                 <a:solidFill>
@@ -964,51 +1001,11 @@
                 </a:solidFill>
               </a:defRPr>
             </a:lvl5pPr>
-            <a:lvl6pPr marL="2286000" indent="0">
-              <a:buNone/>
-              <a:defRPr sz="1400">
-                <a:solidFill>
-                  <a:schemeClr val="tx1">
-                    <a:tint val="75000"/>
-                  </a:schemeClr>
-                </a:solidFill>
-              </a:defRPr>
-            </a:lvl6pPr>
-            <a:lvl7pPr marL="2743200" indent="0">
-              <a:buNone/>
-              <a:defRPr sz="1400">
-                <a:solidFill>
-                  <a:schemeClr val="tx1">
-                    <a:tint val="75000"/>
-                  </a:schemeClr>
-                </a:solidFill>
-              </a:defRPr>
-            </a:lvl7pPr>
-            <a:lvl8pPr marL="3200400" indent="0">
-              <a:buNone/>
-              <a:defRPr sz="1400">
-                <a:solidFill>
-                  <a:schemeClr val="tx1">
-                    <a:tint val="75000"/>
-                  </a:schemeClr>
-                </a:solidFill>
-              </a:defRPr>
-            </a:lvl8pPr>
-            <a:lvl9pPr marL="3657600" indent="0">
-              <a:buNone/>
-              <a:defRPr sz="1400">
-                <a:solidFill>
-                  <a:schemeClr val="tx1">
-                    <a:tint val="75000"/>
-                  </a:schemeClr>
-                </a:solidFill>
-              </a:defRPr>
-            </a:lvl9pPr>
           </a:lstStyle>
           <a:p>
-            <a:pPr lvl="0"/>
-            <a:r>
-              <a:rPr lang="ru-RU" smtClean="0"/>
+            <a:pPr lvl="0" eaLnBrk="1" latinLnBrk="0" hangingPunct="1"/>
+            <a:r>
+              <a:rPr kumimoji="0" lang="ru-RU" smtClean="0"/>
               <a:t>Образец текста</a:t>
             </a:r>
           </a:p>
@@ -1016,7 +1013,7 @@
       </p:sp>
       <p:sp>
         <p:nvSpPr>
-          <p:cNvPr id="4" name="Дата 3"/>
+          <p:cNvPr id="4" name="Date Placeholder 3"/>
           <p:cNvSpPr>
             <a:spLocks noGrp="1"/>
           </p:cNvSpPr>
@@ -1031,7 +1028,7 @@
           <a:p>
             <a:fld id="{B4C71EC6-210F-42DE-9C53-41977AD35B3D}" type="datetimeFigureOut">
               <a:rPr lang="ru-RU" smtClean="0"/>
-              <a:t>12.11.2009</a:t>
+              <a:t>21.06.2018</a:t>
             </a:fld>
             <a:endParaRPr lang="ru-RU"/>
           </a:p>
@@ -1039,7 +1036,7 @@
       </p:sp>
       <p:sp>
         <p:nvSpPr>
-          <p:cNvPr id="5" name="Нижний колонтитул 4"/>
+          <p:cNvPr id="5" name="Footer Placeholder 4"/>
           <p:cNvSpPr>
             <a:spLocks noGrp="1"/>
           </p:cNvSpPr>
@@ -1058,7 +1055,7 @@
       </p:sp>
       <p:sp>
         <p:nvSpPr>
-          <p:cNvPr id="6" name="Номер слайда 5"/>
+          <p:cNvPr id="6" name="Slide Number Placeholder 5"/>
           <p:cNvSpPr>
             <a:spLocks noGrp="1"/>
           </p:cNvSpPr>
@@ -1082,7 +1079,7 @@
     </p:spTree>
   </p:cSld>
   <p:clrMapOvr>
-    <a:masterClrMapping/>
+    <a:overrideClrMapping bg1="dk1" tx1="lt1" bg2="dk2" tx2="lt2" accent1="accent1" accent2="accent2" accent3="accent3" accent4="accent4" accent5="accent5" accent6="accent6" hlink="hlink" folHlink="folHlink"/>
   </p:clrMapOvr>
 </p:sldLayout>
 </file>
@@ -1106,48 +1103,53 @@
       </p:grpSpPr>
       <p:sp>
         <p:nvSpPr>
-          <p:cNvPr id="2" name="Заголовок 1"/>
+          <p:cNvPr id="2" name="Title 1"/>
           <p:cNvSpPr>
             <a:spLocks noGrp="1"/>
           </p:cNvSpPr>
           <p:nvPr>
             <p:ph type="title"/>
-          </p:nvPr>
-        </p:nvSpPr>
-        <p:spPr/>
-        <p:txBody>
-          <a:bodyPr/>
-          <a:lstStyle/>
-          <a:p>
-            <a:r>
-              <a:rPr lang="ru-RU" smtClean="0"/>
-              <a:t>Образец заголовка</a:t>
-            </a:r>
-            <a:endParaRPr lang="ru-RU"/>
-          </a:p>
-        </p:txBody>
-      </p:sp>
-      <p:sp>
-        <p:nvSpPr>
-          <p:cNvPr id="3" name="Содержимое 2"/>
-          <p:cNvSpPr>
-            <a:spLocks noGrp="1"/>
-          </p:cNvSpPr>
-          <p:nvPr>
-            <p:ph sz="half" idx="1"/>
           </p:nvPr>
         </p:nvSpPr>
         <p:spPr>
           <a:xfrm>
-            <a:off x="457200" y="1600200"/>
-            <a:ext cx="4038600" cy="4525963"/>
+            <a:off x="457200" y="704088"/>
+            <a:ext cx="8229600" cy="1143000"/>
+          </a:xfrm>
+        </p:spPr>
+        <p:txBody>
+          <a:bodyPr/>
+          <a:lstStyle/>
+          <a:p>
+            <a:r>
+              <a:rPr kumimoji="0" lang="ru-RU" smtClean="0"/>
+              <a:t>Образец заголовка</a:t>
+            </a:r>
+            <a:endParaRPr kumimoji="0" lang="en-US"/>
+          </a:p>
+        </p:txBody>
+      </p:sp>
+      <p:sp>
+        <p:nvSpPr>
+          <p:cNvPr id="3" name="Content Placeholder 2"/>
+          <p:cNvSpPr>
+            <a:spLocks noGrp="1"/>
+          </p:cNvSpPr>
+          <p:nvPr>
+            <p:ph sz="half" idx="1"/>
+          </p:nvPr>
+        </p:nvSpPr>
+        <p:spPr>
+          <a:xfrm>
+            <a:off x="457200" y="1920085"/>
+            <a:ext cx="4038600" cy="4434840"/>
           </a:xfrm>
         </p:spPr>
         <p:txBody>
           <a:bodyPr/>
           <a:lstStyle>
             <a:lvl1pPr>
-              <a:defRPr sz="2800"/>
+              <a:defRPr sz="2600"/>
             </a:lvl1pPr>
             <a:lvl2pPr>
               <a:defRPr sz="2400"/>
@@ -1161,60 +1163,48 @@
             <a:lvl5pPr>
               <a:defRPr sz="1800"/>
             </a:lvl5pPr>
-            <a:lvl6pPr>
-              <a:defRPr sz="1800"/>
-            </a:lvl6pPr>
-            <a:lvl7pPr>
-              <a:defRPr sz="1800"/>
-            </a:lvl7pPr>
-            <a:lvl8pPr>
-              <a:defRPr sz="1800"/>
-            </a:lvl8pPr>
-            <a:lvl9pPr>
-              <a:defRPr sz="1800"/>
-            </a:lvl9pPr>
           </a:lstStyle>
           <a:p>
-            <a:pPr lvl="0"/>
+            <a:pPr lvl="0" eaLnBrk="1" latinLnBrk="0" hangingPunct="1"/>
             <a:r>
               <a:rPr lang="ru-RU" smtClean="0"/>
               <a:t>Образец текста</a:t>
             </a:r>
           </a:p>
           <a:p>
-            <a:pPr lvl="1"/>
+            <a:pPr lvl="1" eaLnBrk="1" latinLnBrk="0" hangingPunct="1"/>
             <a:r>
               <a:rPr lang="ru-RU" smtClean="0"/>
               <a:t>Второй уровень</a:t>
             </a:r>
           </a:p>
           <a:p>
-            <a:pPr lvl="2"/>
+            <a:pPr lvl="2" eaLnBrk="1" latinLnBrk="0" hangingPunct="1"/>
             <a:r>
               <a:rPr lang="ru-RU" smtClean="0"/>
               <a:t>Третий уровень</a:t>
             </a:r>
           </a:p>
           <a:p>
-            <a:pPr lvl="3"/>
+            <a:pPr lvl="3" eaLnBrk="1" latinLnBrk="0" hangingPunct="1"/>
             <a:r>
               <a:rPr lang="ru-RU" smtClean="0"/>
               <a:t>Четвертый уровень</a:t>
             </a:r>
           </a:p>
           <a:p>
-            <a:pPr lvl="4"/>
+            <a:pPr lvl="4" eaLnBrk="1" latinLnBrk="0" hangingPunct="1"/>
             <a:r>
               <a:rPr lang="ru-RU" smtClean="0"/>
               <a:t>Пятый уровень</a:t>
             </a:r>
-            <a:endParaRPr lang="ru-RU"/>
-          </a:p>
-        </p:txBody>
-      </p:sp>
-      <p:sp>
-        <p:nvSpPr>
-          <p:cNvPr id="4" name="Содержимое 3"/>
+            <a:endParaRPr kumimoji="0" lang="en-US"/>
+          </a:p>
+        </p:txBody>
+      </p:sp>
+      <p:sp>
+        <p:nvSpPr>
+          <p:cNvPr id="4" name="Content Placeholder 3"/>
           <p:cNvSpPr>
             <a:spLocks noGrp="1"/>
           </p:cNvSpPr>
@@ -1224,15 +1214,15 @@
         </p:nvSpPr>
         <p:spPr>
           <a:xfrm>
-            <a:off x="4648200" y="1600200"/>
-            <a:ext cx="4038600" cy="4525963"/>
+            <a:off x="4648200" y="1920085"/>
+            <a:ext cx="4038600" cy="4434840"/>
           </a:xfrm>
         </p:spPr>
         <p:txBody>
           <a:bodyPr/>
           <a:lstStyle>
             <a:lvl1pPr>
-              <a:defRPr sz="2800"/>
+              <a:defRPr sz="2600"/>
             </a:lvl1pPr>
             <a:lvl2pPr>
               <a:defRPr sz="2400"/>
@@ -1246,60 +1236,48 @@
             <a:lvl5pPr>
               <a:defRPr sz="1800"/>
             </a:lvl5pPr>
-            <a:lvl6pPr>
-              <a:defRPr sz="1800"/>
-            </a:lvl6pPr>
-            <a:lvl7pPr>
-              <a:defRPr sz="1800"/>
-            </a:lvl7pPr>
-            <a:lvl8pPr>
-              <a:defRPr sz="1800"/>
-            </a:lvl8pPr>
-            <a:lvl9pPr>
-              <a:defRPr sz="1800"/>
-            </a:lvl9pPr>
           </a:lstStyle>
           <a:p>
-            <a:pPr lvl="0"/>
+            <a:pPr lvl="0" eaLnBrk="1" latinLnBrk="0" hangingPunct="1"/>
             <a:r>
               <a:rPr lang="ru-RU" smtClean="0"/>
               <a:t>Образец текста</a:t>
             </a:r>
           </a:p>
           <a:p>
-            <a:pPr lvl="1"/>
+            <a:pPr lvl="1" eaLnBrk="1" latinLnBrk="0" hangingPunct="1"/>
             <a:r>
               <a:rPr lang="ru-RU" smtClean="0"/>
               <a:t>Второй уровень</a:t>
             </a:r>
           </a:p>
           <a:p>
-            <a:pPr lvl="2"/>
+            <a:pPr lvl="2" eaLnBrk="1" latinLnBrk="0" hangingPunct="1"/>
             <a:r>
               <a:rPr lang="ru-RU" smtClean="0"/>
               <a:t>Третий уровень</a:t>
             </a:r>
           </a:p>
           <a:p>
-            <a:pPr lvl="3"/>
+            <a:pPr lvl="3" eaLnBrk="1" latinLnBrk="0" hangingPunct="1"/>
             <a:r>
               <a:rPr lang="ru-RU" smtClean="0"/>
               <a:t>Четвертый уровень</a:t>
             </a:r>
           </a:p>
           <a:p>
-            <a:pPr lvl="4"/>
+            <a:pPr lvl="4" eaLnBrk="1" latinLnBrk="0" hangingPunct="1"/>
             <a:r>
               <a:rPr lang="ru-RU" smtClean="0"/>
               <a:t>Пятый уровень</a:t>
             </a:r>
-            <a:endParaRPr lang="ru-RU"/>
-          </a:p>
-        </p:txBody>
-      </p:sp>
-      <p:sp>
-        <p:nvSpPr>
-          <p:cNvPr id="5" name="Дата 4"/>
+            <a:endParaRPr kumimoji="0" lang="en-US"/>
+          </a:p>
+        </p:txBody>
+      </p:sp>
+      <p:sp>
+        <p:nvSpPr>
+          <p:cNvPr id="5" name="Date Placeholder 4"/>
           <p:cNvSpPr>
             <a:spLocks noGrp="1"/>
           </p:cNvSpPr>
@@ -1314,7 +1292,7 @@
           <a:p>
             <a:fld id="{B4C71EC6-210F-42DE-9C53-41977AD35B3D}" type="datetimeFigureOut">
               <a:rPr lang="ru-RU" smtClean="0"/>
-              <a:t>12.11.2009</a:t>
+              <a:t>21.06.2018</a:t>
             </a:fld>
             <a:endParaRPr lang="ru-RU"/>
           </a:p>
@@ -1322,7 +1300,7 @@
       </p:sp>
       <p:sp>
         <p:nvSpPr>
-          <p:cNvPr id="6" name="Нижний колонтитул 5"/>
+          <p:cNvPr id="6" name="Footer Placeholder 5"/>
           <p:cNvSpPr>
             <a:spLocks noGrp="1"/>
           </p:cNvSpPr>
@@ -1341,7 +1319,7 @@
       </p:sp>
       <p:sp>
         <p:nvSpPr>
-          <p:cNvPr id="7" name="Номер слайда 6"/>
+          <p:cNvPr id="7" name="Slide Number Placeholder 6"/>
           <p:cNvSpPr>
             <a:spLocks noGrp="1"/>
           </p:cNvSpPr>
@@ -1389,7 +1367,7 @@
       </p:grpSpPr>
       <p:sp>
         <p:nvSpPr>
-          <p:cNvPr id="2" name="Заголовок 1"/>
+          <p:cNvPr id="2" name="Title 1"/>
           <p:cNvSpPr>
             <a:spLocks noGrp="1"/>
           </p:cNvSpPr>
@@ -1397,9 +1375,14 @@
             <p:ph type="title"/>
           </p:nvPr>
         </p:nvSpPr>
-        <p:spPr/>
-        <p:txBody>
-          <a:bodyPr/>
+        <p:spPr>
+          <a:xfrm>
+            <a:off x="457200" y="704088"/>
+            <a:ext cx="8229600" cy="1143000"/>
+          </a:xfrm>
+        </p:spPr>
+        <p:txBody>
+          <a:bodyPr tIns="45720" anchor="b"/>
           <a:lstStyle>
             <a:lvl1pPr>
               <a:defRPr/>
@@ -1407,16 +1390,16 @@
           </a:lstStyle>
           <a:p>
             <a:r>
-              <a:rPr lang="ru-RU" smtClean="0"/>
+              <a:rPr kumimoji="0" lang="ru-RU" smtClean="0"/>
               <a:t>Образец заголовка</a:t>
             </a:r>
-            <a:endParaRPr lang="ru-RU"/>
-          </a:p>
-        </p:txBody>
-      </p:sp>
-      <p:sp>
-        <p:nvSpPr>
-          <p:cNvPr id="3" name="Текст 2"/>
+            <a:endParaRPr kumimoji="0" lang="en-US"/>
+          </a:p>
+        </p:txBody>
+      </p:sp>
+      <p:sp>
+        <p:nvSpPr>
+          <p:cNvPr id="3" name="Text Placeholder 2"/>
           <p:cNvSpPr>
             <a:spLocks noGrp="1"/>
           </p:cNvSpPr>
@@ -1426,54 +1409,45 @@
         </p:nvSpPr>
         <p:spPr>
           <a:xfrm>
-            <a:off x="457200" y="1535113"/>
-            <a:ext cx="4040188" cy="639762"/>
+            <a:off x="457200" y="1855248"/>
+            <a:ext cx="4040188" cy="659352"/>
           </a:xfrm>
         </p:spPr>
         <p:txBody>
-          <a:bodyPr anchor="b"/>
+          <a:bodyPr lIns="45720" tIns="0" rIns="45720" bIns="0" anchor="ctr">
+            <a:noAutofit/>
+          </a:bodyPr>
           <a:lstStyle>
             <a:lvl1pPr marL="0" indent="0">
               <a:buNone/>
-              <a:defRPr sz="2400" b="1"/>
+              <a:defRPr sz="2400" b="1" cap="none" baseline="0">
+                <a:solidFill>
+                  <a:schemeClr val="tx2"/>
+                </a:solidFill>
+                <a:effectLst/>
+              </a:defRPr>
             </a:lvl1pPr>
-            <a:lvl2pPr marL="457200" indent="0">
+            <a:lvl2pPr>
               <a:buNone/>
               <a:defRPr sz="2000" b="1"/>
             </a:lvl2pPr>
-            <a:lvl3pPr marL="914400" indent="0">
+            <a:lvl3pPr>
               <a:buNone/>
               <a:defRPr sz="1800" b="1"/>
             </a:lvl3pPr>
-            <a:lvl4pPr marL="1371600" indent="0">
+            <a:lvl4pPr>
               <a:buNone/>
               <a:defRPr sz="1600" b="1"/>
             </a:lvl4pPr>
-            <a:lvl5pPr marL="1828800" indent="0">
+            <a:lvl5pPr>
               <a:buNone/>
               <a:defRPr sz="1600" b="1"/>
             </a:lvl5pPr>
-            <a:lvl6pPr marL="2286000" indent="0">
-              <a:buNone/>
-              <a:defRPr sz="1600" b="1"/>
-            </a:lvl6pPr>
-            <a:lvl7pPr marL="2743200" indent="0">
-              <a:buNone/>
-              <a:defRPr sz="1600" b="1"/>
-            </a:lvl7pPr>
-            <a:lvl8pPr marL="3200400" indent="0">
-              <a:buNone/>
-              <a:defRPr sz="1600" b="1"/>
-            </a:lvl8pPr>
-            <a:lvl9pPr marL="3657600" indent="0">
-              <a:buNone/>
-              <a:defRPr sz="1600" b="1"/>
-            </a:lvl9pPr>
           </a:lstStyle>
           <a:p>
-            <a:pPr lvl="0"/>
-            <a:r>
-              <a:rPr lang="ru-RU" smtClean="0"/>
+            <a:pPr lvl="0" eaLnBrk="1" latinLnBrk="0" hangingPunct="1"/>
+            <a:r>
+              <a:rPr kumimoji="0" lang="ru-RU" smtClean="0"/>
               <a:t>Образец текста</a:t>
             </a:r>
           </a:p>
@@ -1481,25 +1455,79 @@
       </p:sp>
       <p:sp>
         <p:nvSpPr>
-          <p:cNvPr id="4" name="Содержимое 3"/>
-          <p:cNvSpPr>
-            <a:spLocks noGrp="1"/>
-          </p:cNvSpPr>
-          <p:nvPr>
-            <p:ph sz="half" idx="2"/>
+          <p:cNvPr id="4" name="Text Placeholder 3"/>
+          <p:cNvSpPr>
+            <a:spLocks noGrp="1"/>
+          </p:cNvSpPr>
+          <p:nvPr>
+            <p:ph type="body" sz="half" idx="3"/>
           </p:nvPr>
         </p:nvSpPr>
         <p:spPr>
           <a:xfrm>
-            <a:off x="457200" y="2174875"/>
-            <a:ext cx="4040188" cy="3951288"/>
+            <a:off x="4645025" y="1859757"/>
+            <a:ext cx="4041775" cy="654843"/>
           </a:xfrm>
         </p:spPr>
         <p:txBody>
-          <a:bodyPr/>
+          <a:bodyPr lIns="45720" tIns="0" rIns="45720" bIns="0" anchor="ctr"/>
+          <a:lstStyle>
+            <a:lvl1pPr marL="0" indent="0">
+              <a:buNone/>
+              <a:defRPr sz="2400" b="1" cap="none" baseline="0">
+                <a:solidFill>
+                  <a:schemeClr val="tx2"/>
+                </a:solidFill>
+                <a:effectLst/>
+              </a:defRPr>
+            </a:lvl1pPr>
+            <a:lvl2pPr>
+              <a:buNone/>
+              <a:defRPr sz="2000" b="1"/>
+            </a:lvl2pPr>
+            <a:lvl3pPr>
+              <a:buNone/>
+              <a:defRPr sz="1800" b="1"/>
+            </a:lvl3pPr>
+            <a:lvl4pPr>
+              <a:buNone/>
+              <a:defRPr sz="1600" b="1"/>
+            </a:lvl4pPr>
+            <a:lvl5pPr>
+              <a:buNone/>
+              <a:defRPr sz="1600" b="1"/>
+            </a:lvl5pPr>
+          </a:lstStyle>
+          <a:p>
+            <a:pPr lvl="0" eaLnBrk="1" latinLnBrk="0" hangingPunct="1"/>
+            <a:r>
+              <a:rPr kumimoji="0" lang="ru-RU" smtClean="0"/>
+              <a:t>Образец текста</a:t>
+            </a:r>
+          </a:p>
+        </p:txBody>
+      </p:sp>
+      <p:sp>
+        <p:nvSpPr>
+          <p:cNvPr id="5" name="Content Placeholder 4"/>
+          <p:cNvSpPr>
+            <a:spLocks noGrp="1"/>
+          </p:cNvSpPr>
+          <p:nvPr>
+            <p:ph sz="quarter" idx="2"/>
+          </p:nvPr>
+        </p:nvSpPr>
+        <p:spPr>
+          <a:xfrm>
+            <a:off x="457200" y="2514600"/>
+            <a:ext cx="4040188" cy="3845720"/>
+          </a:xfrm>
+        </p:spPr>
+        <p:txBody>
+          <a:bodyPr tIns="0"/>
           <a:lstStyle>
             <a:lvl1pPr>
-              <a:defRPr sz="2400"/>
+              <a:defRPr sz="2200"/>
             </a:lvl1pPr>
             <a:lvl2pPr>
               <a:defRPr sz="2000"/>
@@ -1513,143 +1541,66 @@
             <a:lvl5pPr>
               <a:defRPr sz="1600"/>
             </a:lvl5pPr>
-            <a:lvl6pPr>
-              <a:defRPr sz="1600"/>
-            </a:lvl6pPr>
-            <a:lvl7pPr>
-              <a:defRPr sz="1600"/>
-            </a:lvl7pPr>
-            <a:lvl8pPr>
-              <a:defRPr sz="1600"/>
-            </a:lvl8pPr>
-            <a:lvl9pPr>
-              <a:defRPr sz="1600"/>
-            </a:lvl9pPr>
           </a:lstStyle>
           <a:p>
-            <a:pPr lvl="0"/>
+            <a:pPr lvl="0" eaLnBrk="1" latinLnBrk="0" hangingPunct="1"/>
             <a:r>
               <a:rPr lang="ru-RU" smtClean="0"/>
               <a:t>Образец текста</a:t>
             </a:r>
           </a:p>
           <a:p>
-            <a:pPr lvl="1"/>
+            <a:pPr lvl="1" eaLnBrk="1" latinLnBrk="0" hangingPunct="1"/>
             <a:r>
               <a:rPr lang="ru-RU" smtClean="0"/>
               <a:t>Второй уровень</a:t>
             </a:r>
           </a:p>
           <a:p>
-            <a:pPr lvl="2"/>
+            <a:pPr lvl="2" eaLnBrk="1" latinLnBrk="0" hangingPunct="1"/>
             <a:r>
               <a:rPr lang="ru-RU" smtClean="0"/>
               <a:t>Третий уровень</a:t>
             </a:r>
           </a:p>
           <a:p>
-            <a:pPr lvl="3"/>
+            <a:pPr lvl="3" eaLnBrk="1" latinLnBrk="0" hangingPunct="1"/>
             <a:r>
               <a:rPr lang="ru-RU" smtClean="0"/>
               <a:t>Четвертый уровень</a:t>
             </a:r>
           </a:p>
           <a:p>
-            <a:pPr lvl="4"/>
+            <a:pPr lvl="4" eaLnBrk="1" latinLnBrk="0" hangingPunct="1"/>
             <a:r>
               <a:rPr lang="ru-RU" smtClean="0"/>
               <a:t>Пятый уровень</a:t>
             </a:r>
-            <a:endParaRPr lang="ru-RU"/>
-          </a:p>
-        </p:txBody>
-      </p:sp>
-      <p:sp>
-        <p:nvSpPr>
-          <p:cNvPr id="5" name="Текст 4"/>
-          <p:cNvSpPr>
-            <a:spLocks noGrp="1"/>
-          </p:cNvSpPr>
-          <p:nvPr>
-            <p:ph type="body" sz="quarter" idx="3"/>
+            <a:endParaRPr kumimoji="0" lang="en-US"/>
+          </a:p>
+        </p:txBody>
+      </p:sp>
+      <p:sp>
+        <p:nvSpPr>
+          <p:cNvPr id="6" name="Content Placeholder 5"/>
+          <p:cNvSpPr>
+            <a:spLocks noGrp="1"/>
+          </p:cNvSpPr>
+          <p:nvPr>
+            <p:ph sz="quarter" idx="4"/>
           </p:nvPr>
         </p:nvSpPr>
         <p:spPr>
           <a:xfrm>
-            <a:off x="4645025" y="1535113"/>
-            <a:ext cx="4041775" cy="639762"/>
+            <a:off x="4645025" y="2514600"/>
+            <a:ext cx="4041775" cy="3845720"/>
           </a:xfrm>
         </p:spPr>
         <p:txBody>
-          <a:bodyPr anchor="b"/>
-          <a:lstStyle>
-            <a:lvl1pPr marL="0" indent="0">
-              <a:buNone/>
-              <a:defRPr sz="2400" b="1"/>
-            </a:lvl1pPr>
-            <a:lvl2pPr marL="457200" indent="0">
-              <a:buNone/>
-              <a:defRPr sz="2000" b="1"/>
-            </a:lvl2pPr>
-            <a:lvl3pPr marL="914400" indent="0">
-              <a:buNone/>
-              <a:defRPr sz="1800" b="1"/>
-            </a:lvl3pPr>
-            <a:lvl4pPr marL="1371600" indent="0">
-              <a:buNone/>
-              <a:defRPr sz="1600" b="1"/>
-            </a:lvl4pPr>
-            <a:lvl5pPr marL="1828800" indent="0">
-              <a:buNone/>
-              <a:defRPr sz="1600" b="1"/>
-            </a:lvl5pPr>
-            <a:lvl6pPr marL="2286000" indent="0">
-              <a:buNone/>
-              <a:defRPr sz="1600" b="1"/>
-            </a:lvl6pPr>
-            <a:lvl7pPr marL="2743200" indent="0">
-              <a:buNone/>
-              <a:defRPr sz="1600" b="1"/>
-            </a:lvl7pPr>
-            <a:lvl8pPr marL="3200400" indent="0">
-              <a:buNone/>
-              <a:defRPr sz="1600" b="1"/>
-            </a:lvl8pPr>
-            <a:lvl9pPr marL="3657600" indent="0">
-              <a:buNone/>
-              <a:defRPr sz="1600" b="1"/>
-            </a:lvl9pPr>
-          </a:lstStyle>
-          <a:p>
-            <a:pPr lvl="0"/>
-            <a:r>
-              <a:rPr lang="ru-RU" smtClean="0"/>
-              <a:t>Образец текста</a:t>
-            </a:r>
-          </a:p>
-        </p:txBody>
-      </p:sp>
-      <p:sp>
-        <p:nvSpPr>
-          <p:cNvPr id="6" name="Содержимое 5"/>
-          <p:cNvSpPr>
-            <a:spLocks noGrp="1"/>
-          </p:cNvSpPr>
-          <p:nvPr>
-            <p:ph sz="quarter" idx="4"/>
-          </p:nvPr>
-        </p:nvSpPr>
-        <p:spPr>
-          <a:xfrm>
-            <a:off x="4645025" y="2174875"/>
-            <a:ext cx="4041775" cy="3951288"/>
-          </a:xfrm>
-        </p:spPr>
-        <p:txBody>
-          <a:bodyPr/>
+          <a:bodyPr tIns="0"/>
           <a:lstStyle>
             <a:lvl1pPr>
-              <a:defRPr sz="2400"/>
+              <a:defRPr sz="2200"/>
             </a:lvl1pPr>
             <a:lvl2pPr>
               <a:defRPr sz="2000"/>
@@ -1663,60 +1614,48 @@
             <a:lvl5pPr>
               <a:defRPr sz="1600"/>
             </a:lvl5pPr>
-            <a:lvl6pPr>
-              <a:defRPr sz="1600"/>
-            </a:lvl6pPr>
-            <a:lvl7pPr>
-              <a:defRPr sz="1600"/>
-            </a:lvl7pPr>
-            <a:lvl8pPr>
-              <a:defRPr sz="1600"/>
-            </a:lvl8pPr>
-            <a:lvl9pPr>
-              <a:defRPr sz="1600"/>
-            </a:lvl9pPr>
           </a:lstStyle>
           <a:p>
-            <a:pPr lvl="0"/>
+            <a:pPr lvl="0" eaLnBrk="1" latinLnBrk="0" hangingPunct="1"/>
             <a:r>
               <a:rPr lang="ru-RU" smtClean="0"/>
               <a:t>Образец текста</a:t>
             </a:r>
           </a:p>
           <a:p>
-            <a:pPr lvl="1"/>
+            <a:pPr lvl="1" eaLnBrk="1" latinLnBrk="0" hangingPunct="1"/>
             <a:r>
               <a:rPr lang="ru-RU" smtClean="0"/>
               <a:t>Второй уровень</a:t>
             </a:r>
           </a:p>
           <a:p>
-            <a:pPr lvl="2"/>
+            <a:pPr lvl="2" eaLnBrk="1" latinLnBrk="0" hangingPunct="1"/>
             <a:r>
               <a:rPr lang="ru-RU" smtClean="0"/>
               <a:t>Третий уровень</a:t>
             </a:r>
           </a:p>
           <a:p>
-            <a:pPr lvl="3"/>
+            <a:pPr lvl="3" eaLnBrk="1" latinLnBrk="0" hangingPunct="1"/>
             <a:r>
               <a:rPr lang="ru-RU" smtClean="0"/>
               <a:t>Четвертый уровень</a:t>
             </a:r>
           </a:p>
           <a:p>
-            <a:pPr lvl="4"/>
+            <a:pPr lvl="4" eaLnBrk="1" latinLnBrk="0" hangingPunct="1"/>
             <a:r>
               <a:rPr lang="ru-RU" smtClean="0"/>
               <a:t>Пятый уровень</a:t>
             </a:r>
-            <a:endParaRPr lang="ru-RU"/>
-          </a:p>
-        </p:txBody>
-      </p:sp>
-      <p:sp>
-        <p:nvSpPr>
-          <p:cNvPr id="7" name="Дата 6"/>
+            <a:endParaRPr kumimoji="0" lang="en-US"/>
+          </a:p>
+        </p:txBody>
+      </p:sp>
+      <p:sp>
+        <p:nvSpPr>
+          <p:cNvPr id="7" name="Date Placeholder 6"/>
           <p:cNvSpPr>
             <a:spLocks noGrp="1"/>
           </p:cNvSpPr>
@@ -1731,7 +1670,7 @@
           <a:p>
             <a:fld id="{B4C71EC6-210F-42DE-9C53-41977AD35B3D}" type="datetimeFigureOut">
               <a:rPr lang="ru-RU" smtClean="0"/>
-              <a:t>12.11.2009</a:t>
+              <a:t>21.06.2018</a:t>
             </a:fld>
             <a:endParaRPr lang="ru-RU"/>
           </a:p>
@@ -1739,7 +1678,7 @@
       </p:sp>
       <p:sp>
         <p:nvSpPr>
-          <p:cNvPr id="8" name="Нижний колонтитул 7"/>
+          <p:cNvPr id="8" name="Footer Placeholder 7"/>
           <p:cNvSpPr>
             <a:spLocks noGrp="1"/>
           </p:cNvSpPr>
@@ -1758,7 +1697,7 @@
       </p:sp>
       <p:sp>
         <p:nvSpPr>
-          <p:cNvPr id="9" name="Номер слайда 8"/>
+          <p:cNvPr id="9" name="Slide Number Placeholder 8"/>
           <p:cNvSpPr>
             <a:spLocks noGrp="1"/>
           </p:cNvSpPr>
@@ -1806,7 +1745,7 @@
       </p:grpSpPr>
       <p:sp>
         <p:nvSpPr>
-          <p:cNvPr id="2" name="Заголовок 1"/>
+          <p:cNvPr id="2" name="Title 1"/>
           <p:cNvSpPr>
             <a:spLocks noGrp="1"/>
           </p:cNvSpPr>
@@ -1814,37 +1753,74 @@
             <p:ph type="title"/>
           </p:nvPr>
         </p:nvSpPr>
+        <p:spPr>
+          <a:xfrm>
+            <a:off x="457200" y="704088"/>
+            <a:ext cx="8305800" cy="1143000"/>
+          </a:xfrm>
+        </p:spPr>
+        <p:txBody>
+          <a:bodyPr vert="horz" tIns="45720" bIns="0" anchor="b">
+            <a:normAutofit/>
+            <a:scene3d>
+              <a:camera prst="orthographicFront"/>
+              <a:lightRig rig="freezing" dir="t">
+                <a:rot lat="0" lon="0" rev="5640000"/>
+              </a:lightRig>
+            </a:scene3d>
+            <a:sp3d prstMaterial="flat">
+              <a:contourClr>
+                <a:schemeClr val="tx2"/>
+              </a:contourClr>
+            </a:sp3d>
+          </a:bodyPr>
+          <a:lstStyle>
+            <a:lvl1pPr algn="l" rtl="0">
+              <a:spcBef>
+                <a:spcPct val="0"/>
+              </a:spcBef>
+              <a:buNone/>
+              <a:defRPr sz="5000" b="0">
+                <a:ln>
+                  <a:noFill/>
+                </a:ln>
+                <a:solidFill>
+                  <a:schemeClr val="tx2"/>
+                </a:solidFill>
+                <a:effectLst/>
+                <a:latin typeface="+mj-lt"/>
+                <a:ea typeface="+mj-ea"/>
+                <a:cs typeface="+mj-cs"/>
+              </a:defRPr>
+            </a:lvl1pPr>
+          </a:lstStyle>
+          <a:p>
+            <a:r>
+              <a:rPr kumimoji="0" lang="ru-RU" smtClean="0"/>
+              <a:t>Образец заголовка</a:t>
+            </a:r>
+            <a:endParaRPr kumimoji="0" lang="en-US"/>
+          </a:p>
+        </p:txBody>
+      </p:sp>
+      <p:sp>
+        <p:nvSpPr>
+          <p:cNvPr id="3" name="Date Placeholder 2"/>
+          <p:cNvSpPr>
+            <a:spLocks noGrp="1"/>
+          </p:cNvSpPr>
+          <p:nvPr>
+            <p:ph type="dt" sz="half" idx="10"/>
+          </p:nvPr>
+        </p:nvSpPr>
         <p:spPr/>
         <p:txBody>
           <a:bodyPr/>
           <a:lstStyle/>
           <a:p>
-            <a:r>
-              <a:rPr lang="ru-RU" smtClean="0"/>
-              <a:t>Образец заголовка</a:t>
-            </a:r>
-            <a:endParaRPr lang="ru-RU"/>
-          </a:p>
-        </p:txBody>
-      </p:sp>
-      <p:sp>
-        <p:nvSpPr>
-          <p:cNvPr id="3" name="Дата 2"/>
-          <p:cNvSpPr>
-            <a:spLocks noGrp="1"/>
-          </p:cNvSpPr>
-          <p:nvPr>
-            <p:ph type="dt" sz="half" idx="10"/>
-          </p:nvPr>
-        </p:nvSpPr>
-        <p:spPr/>
-        <p:txBody>
-          <a:bodyPr/>
-          <a:lstStyle/>
-          <a:p>
             <a:fld id="{B4C71EC6-210F-42DE-9C53-41977AD35B3D}" type="datetimeFigureOut">
               <a:rPr lang="ru-RU" smtClean="0"/>
-              <a:t>12.11.2009</a:t>
+              <a:t>21.06.2018</a:t>
             </a:fld>
             <a:endParaRPr lang="ru-RU"/>
           </a:p>
@@ -1852,7 +1828,7 @@
       </p:sp>
       <p:sp>
         <p:nvSpPr>
-          <p:cNvPr id="4" name="Нижний колонтитул 3"/>
+          <p:cNvPr id="4" name="Footer Placeholder 3"/>
           <p:cNvSpPr>
             <a:spLocks noGrp="1"/>
           </p:cNvSpPr>
@@ -1871,7 +1847,7 @@
       </p:sp>
       <p:sp>
         <p:nvSpPr>
-          <p:cNvPr id="5" name="Номер слайда 4"/>
+          <p:cNvPr id="5" name="Slide Number Placeholder 4"/>
           <p:cNvSpPr>
             <a:spLocks noGrp="1"/>
           </p:cNvSpPr>
@@ -1919,7 +1895,7 @@
       </p:grpSpPr>
       <p:sp>
         <p:nvSpPr>
-          <p:cNvPr id="2" name="Дата 1"/>
+          <p:cNvPr id="2" name="Date Placeholder 1"/>
           <p:cNvSpPr>
             <a:spLocks noGrp="1"/>
           </p:cNvSpPr>
@@ -1934,7 +1910,7 @@
           <a:p>
             <a:fld id="{B4C71EC6-210F-42DE-9C53-41977AD35B3D}" type="datetimeFigureOut">
               <a:rPr lang="ru-RU" smtClean="0"/>
-              <a:t>12.11.2009</a:t>
+              <a:t>21.06.2018</a:t>
             </a:fld>
             <a:endParaRPr lang="ru-RU"/>
           </a:p>
@@ -1942,7 +1918,7 @@
       </p:sp>
       <p:sp>
         <p:nvSpPr>
-          <p:cNvPr id="3" name="Нижний колонтитул 2"/>
+          <p:cNvPr id="3" name="Footer Placeholder 2"/>
           <p:cNvSpPr>
             <a:spLocks noGrp="1"/>
           </p:cNvSpPr>
@@ -1961,7 +1937,7 @@
       </p:sp>
       <p:sp>
         <p:nvSpPr>
-          <p:cNvPr id="4" name="Номер слайда 3"/>
+          <p:cNvPr id="4" name="Slide Number Placeholder 3"/>
           <p:cNvSpPr>
             <a:spLocks noGrp="1"/>
           </p:cNvSpPr>
@@ -2009,7 +1985,7 @@
       </p:grpSpPr>
       <p:sp>
         <p:nvSpPr>
-          <p:cNvPr id="2" name="Заголовок 1"/>
+          <p:cNvPr id="2" name="Title 1"/>
           <p:cNvSpPr>
             <a:spLocks noGrp="1"/>
           </p:cNvSpPr>
@@ -2019,50 +1995,116 @@
         </p:nvSpPr>
         <p:spPr>
           <a:xfrm>
-            <a:off x="457200" y="273050"/>
-            <a:ext cx="3008313" cy="1162050"/>
+            <a:off x="685800" y="514352"/>
+            <a:ext cx="2743200" cy="1162050"/>
           </a:xfrm>
         </p:spPr>
         <p:txBody>
-          <a:bodyPr anchor="b"/>
+          <a:bodyPr lIns="0" anchor="b">
+            <a:noAutofit/>
+          </a:bodyPr>
           <a:lstStyle>
-            <a:lvl1pPr algn="l">
-              <a:defRPr sz="2000" b="1"/>
+            <a:lvl1pPr algn="l" rtl="0">
+              <a:spcBef>
+                <a:spcPct val="0"/>
+              </a:spcBef>
+              <a:buNone/>
+              <a:defRPr sz="2600" b="0">
+                <a:ln>
+                  <a:noFill/>
+                </a:ln>
+                <a:solidFill>
+                  <a:schemeClr val="tx2"/>
+                </a:solidFill>
+                <a:effectLst/>
+                <a:latin typeface="+mj-lt"/>
+                <a:ea typeface="+mj-ea"/>
+                <a:cs typeface="+mj-cs"/>
+              </a:defRPr>
             </a:lvl1pPr>
           </a:lstStyle>
           <a:p>
             <a:r>
-              <a:rPr lang="ru-RU" smtClean="0"/>
+              <a:rPr kumimoji="0" lang="ru-RU" smtClean="0"/>
               <a:t>Образец заголовка</a:t>
             </a:r>
-            <a:endParaRPr lang="ru-RU"/>
-          </a:p>
-        </p:txBody>
-      </p:sp>
-      <p:sp>
-        <p:nvSpPr>
-          <p:cNvPr id="3" name="Содержимое 2"/>
-          <p:cNvSpPr>
-            <a:spLocks noGrp="1"/>
-          </p:cNvSpPr>
-          <p:nvPr>
-            <p:ph idx="1"/>
+            <a:endParaRPr kumimoji="0" lang="en-US"/>
+          </a:p>
+        </p:txBody>
+      </p:sp>
+      <p:sp>
+        <p:nvSpPr>
+          <p:cNvPr id="3" name="Text Placeholder 2"/>
+          <p:cNvSpPr>
+            <a:spLocks noGrp="1"/>
+          </p:cNvSpPr>
+          <p:nvPr>
+            <p:ph type="body" idx="2"/>
           </p:nvPr>
         </p:nvSpPr>
         <p:spPr>
           <a:xfrm>
-            <a:off x="3575050" y="273050"/>
-            <a:ext cx="5111750" cy="5853113"/>
+            <a:off x="685800" y="1676400"/>
+            <a:ext cx="2743200" cy="4572000"/>
           </a:xfrm>
         </p:spPr>
         <p:txBody>
-          <a:bodyPr/>
+          <a:bodyPr lIns="18288" rIns="18288"/>
+          <a:lstStyle>
+            <a:lvl1pPr marL="0" indent="0" algn="l">
+              <a:buNone/>
+              <a:defRPr sz="1400"/>
+            </a:lvl1pPr>
+            <a:lvl2pPr indent="0" algn="l">
+              <a:buNone/>
+              <a:defRPr sz="1200"/>
+            </a:lvl2pPr>
+            <a:lvl3pPr indent="0" algn="l">
+              <a:buNone/>
+              <a:defRPr sz="1000"/>
+            </a:lvl3pPr>
+            <a:lvl4pPr indent="0" algn="l">
+              <a:buNone/>
+              <a:defRPr sz="900"/>
+            </a:lvl4pPr>
+            <a:lvl5pPr indent="0" algn="l">
+              <a:buNone/>
+              <a:defRPr sz="900"/>
+            </a:lvl5pPr>
+          </a:lstStyle>
+          <a:p>
+            <a:pPr lvl="0" eaLnBrk="1" latinLnBrk="0" hangingPunct="1"/>
+            <a:r>
+              <a:rPr kumimoji="0" lang="ru-RU" smtClean="0"/>
+              <a:t>Образец текста</a:t>
+            </a:r>
+          </a:p>
+        </p:txBody>
+      </p:sp>
+      <p:sp>
+        <p:nvSpPr>
+          <p:cNvPr id="4" name="Content Placeholder 3"/>
+          <p:cNvSpPr>
+            <a:spLocks noGrp="1"/>
+          </p:cNvSpPr>
+          <p:nvPr>
+            <p:ph sz="half" idx="1"/>
+          </p:nvPr>
+        </p:nvSpPr>
+        <p:spPr>
+          <a:xfrm>
+            <a:off x="3575050" y="1676400"/>
+            <a:ext cx="5111750" cy="4572000"/>
+          </a:xfrm>
+        </p:spPr>
+        <p:txBody>
+          <a:bodyPr tIns="0"/>
           <a:lstStyle>
             <a:lvl1pPr>
-              <a:defRPr sz="3200"/>
+              <a:defRPr sz="2800"/>
             </a:lvl1pPr>
             <a:lvl2pPr>
-              <a:defRPr sz="2800"/>
+              <a:defRPr sz="2600"/>
             </a:lvl2pPr>
             <a:lvl3pPr>
               <a:defRPr sz="2400"/>
@@ -2071,142 +2113,65 @@
               <a:defRPr sz="2000"/>
             </a:lvl4pPr>
             <a:lvl5pPr>
-              <a:defRPr sz="2000"/>
+              <a:defRPr sz="1800"/>
             </a:lvl5pPr>
-            <a:lvl6pPr>
-              <a:defRPr sz="2000"/>
-            </a:lvl6pPr>
-            <a:lvl7pPr>
-              <a:defRPr sz="2000"/>
-            </a:lvl7pPr>
-            <a:lvl8pPr>
-              <a:defRPr sz="2000"/>
-            </a:lvl8pPr>
-            <a:lvl9pPr>
-              <a:defRPr sz="2000"/>
-            </a:lvl9pPr>
           </a:lstStyle>
           <a:p>
-            <a:pPr lvl="0"/>
+            <a:pPr lvl="0" eaLnBrk="1" latinLnBrk="0" hangingPunct="1"/>
             <a:r>
               <a:rPr lang="ru-RU" smtClean="0"/>
               <a:t>Образец текста</a:t>
             </a:r>
           </a:p>
           <a:p>
-            <a:pPr lvl="1"/>
+            <a:pPr lvl="1" eaLnBrk="1" latinLnBrk="0" hangingPunct="1"/>
             <a:r>
               <a:rPr lang="ru-RU" smtClean="0"/>
               <a:t>Второй уровень</a:t>
             </a:r>
           </a:p>
           <a:p>
-            <a:pPr lvl="2"/>
+            <a:pPr lvl="2" eaLnBrk="1" latinLnBrk="0" hangingPunct="1"/>
             <a:r>
               <a:rPr lang="ru-RU" smtClean="0"/>
               <a:t>Третий уровень</a:t>
             </a:r>
           </a:p>
           <a:p>
-            <a:pPr lvl="3"/>
+            <a:pPr lvl="3" eaLnBrk="1" latinLnBrk="0" hangingPunct="1"/>
             <a:r>
               <a:rPr lang="ru-RU" smtClean="0"/>
               <a:t>Четвертый уровень</a:t>
             </a:r>
           </a:p>
           <a:p>
-            <a:pPr lvl="4"/>
+            <a:pPr lvl="4" eaLnBrk="1" latinLnBrk="0" hangingPunct="1"/>
             <a:r>
               <a:rPr lang="ru-RU" smtClean="0"/>
               <a:t>Пятый уровень</a:t>
             </a:r>
-            <a:endParaRPr lang="ru-RU"/>
-          </a:p>
-        </p:txBody>
-      </p:sp>
-      <p:sp>
-        <p:nvSpPr>
-          <p:cNvPr id="4" name="Текст 3"/>
-          <p:cNvSpPr>
-            <a:spLocks noGrp="1"/>
-          </p:cNvSpPr>
-          <p:nvPr>
-            <p:ph type="body" sz="half" idx="2"/>
-          </p:nvPr>
-        </p:nvSpPr>
-        <p:spPr>
-          <a:xfrm>
-            <a:off x="457200" y="1435100"/>
-            <a:ext cx="3008313" cy="4691063"/>
-          </a:xfrm>
-        </p:spPr>
+            <a:endParaRPr kumimoji="0" lang="en-US"/>
+          </a:p>
+        </p:txBody>
+      </p:sp>
+      <p:sp>
+        <p:nvSpPr>
+          <p:cNvPr id="5" name="Date Placeholder 4"/>
+          <p:cNvSpPr>
+            <a:spLocks noGrp="1"/>
+          </p:cNvSpPr>
+          <p:nvPr>
+            <p:ph type="dt" sz="half" idx="10"/>
+          </p:nvPr>
+        </p:nvSpPr>
+        <p:spPr/>
         <p:txBody>
           <a:bodyPr/>
-          <a:lstStyle>
-            <a:lvl1pPr marL="0" indent="0">
-              <a:buNone/>
-              <a:defRPr sz="1400"/>
-            </a:lvl1pPr>
-            <a:lvl2pPr marL="457200" indent="0">
-              <a:buNone/>
-              <a:defRPr sz="1200"/>
-            </a:lvl2pPr>
-            <a:lvl3pPr marL="914400" indent="0">
-              <a:buNone/>
-              <a:defRPr sz="1000"/>
-            </a:lvl3pPr>
-            <a:lvl4pPr marL="1371600" indent="0">
-              <a:buNone/>
-              <a:defRPr sz="900"/>
-            </a:lvl4pPr>
-            <a:lvl5pPr marL="1828800" indent="0">
-              <a:buNone/>
-              <a:defRPr sz="900"/>
-            </a:lvl5pPr>
-            <a:lvl6pPr marL="2286000" indent="0">
-              <a:buNone/>
-              <a:defRPr sz="900"/>
-            </a:lvl6pPr>
-            <a:lvl7pPr marL="2743200" indent="0">
-              <a:buNone/>
-              <a:defRPr sz="900"/>
-            </a:lvl7pPr>
-            <a:lvl8pPr marL="3200400" indent="0">
-              <a:buNone/>
-              <a:defRPr sz="900"/>
-            </a:lvl8pPr>
-            <a:lvl9pPr marL="3657600" indent="0">
-              <a:buNone/>
-              <a:defRPr sz="900"/>
-            </a:lvl9pPr>
-          </a:lstStyle>
-          <a:p>
-            <a:pPr lvl="0"/>
-            <a:r>
-              <a:rPr lang="ru-RU" smtClean="0"/>
-              <a:t>Образец текста</a:t>
-            </a:r>
-          </a:p>
-        </p:txBody>
-      </p:sp>
-      <p:sp>
-        <p:nvSpPr>
-          <p:cNvPr id="5" name="Дата 4"/>
-          <p:cNvSpPr>
-            <a:spLocks noGrp="1"/>
-          </p:cNvSpPr>
-          <p:nvPr>
-            <p:ph type="dt" sz="half" idx="10"/>
-          </p:nvPr>
-        </p:nvSpPr>
-        <p:spPr/>
-        <p:txBody>
-          <a:bodyPr/>
           <a:lstStyle/>
           <a:p>
             <a:fld id="{B4C71EC6-210F-42DE-9C53-41977AD35B3D}" type="datetimeFigureOut">
               <a:rPr lang="ru-RU" smtClean="0"/>
-              <a:t>12.11.2009</a:t>
+              <a:t>21.06.2018</a:t>
             </a:fld>
             <a:endParaRPr lang="ru-RU"/>
           </a:p>
@@ -2214,7 +2179,7 @@
       </p:sp>
       <p:sp>
         <p:nvSpPr>
-          <p:cNvPr id="6" name="Нижний колонтитул 5"/>
+          <p:cNvPr id="6" name="Footer Placeholder 5"/>
           <p:cNvSpPr>
             <a:spLocks noGrp="1"/>
           </p:cNvSpPr>
@@ -2233,7 +2198,7 @@
       </p:sp>
       <p:sp>
         <p:nvSpPr>
-          <p:cNvPr id="7" name="Номер слайда 6"/>
+          <p:cNvPr id="7" name="Slide Number Placeholder 6"/>
           <p:cNvSpPr>
             <a:spLocks noGrp="1"/>
           </p:cNvSpPr>
@@ -2263,7 +2228,7 @@
 </file>
 
 <file path=ppt/slideLayouts/slideLayout9.xml><?xml version="1.0" encoding="utf-8"?>
-<p:sldLayout xmlns:a="http://schemas.openxmlformats.org/drawingml/2006/main" xmlns:r="http://schemas.openxmlformats.org/officeDocument/2006/relationships" xmlns:p="http://schemas.openxmlformats.org/presentationml/2006/main" type="picTx" preserve="1">
+<p:sldLayout xmlns:a="http://schemas.openxmlformats.org/drawingml/2006/main" xmlns:r="http://schemas.openxmlformats.org/officeDocument/2006/relationships" xmlns:p="http://schemas.openxmlformats.org/presentationml/2006/main" showMasterSp="0" type="picTx" preserve="1">
   <p:cSld name="Рисунок с подписью">
     <p:spTree>
       <p:nvGrpSpPr>
@@ -2281,7 +2246,119 @@
       </p:grpSpPr>
       <p:sp>
         <p:nvSpPr>
-          <p:cNvPr id="2" name="Заголовок 1"/>
+          <p:cNvPr id="9" name="Snip and Round Single Corner Rectangle 8"/>
+          <p:cNvSpPr/>
+          <p:nvPr/>
+        </p:nvSpPr>
+        <p:spPr>
+          <a:xfrm rot="420000" flipV="1">
+            <a:off x="3165753" y="1108077"/>
+            <a:ext cx="5257800" cy="4114800"/>
+          </a:xfrm>
+          <a:prstGeom prst="snipRoundRect">
+            <a:avLst>
+              <a:gd name="adj1" fmla="val 0"/>
+              <a:gd name="adj2" fmla="val 3646"/>
+            </a:avLst>
+          </a:prstGeom>
+          <a:solidFill>
+            <a:srgbClr val="FFFFFF"/>
+          </a:solidFill>
+          <a:ln w="3175" cap="rnd" cmpd="sng" algn="ctr">
+            <a:solidFill>
+              <a:srgbClr val="C0C0C0"/>
+            </a:solidFill>
+            <a:prstDash val="solid"/>
+          </a:ln>
+          <a:effectLst>
+            <a:outerShdw blurRad="63500" dist="38500" dir="7500000" sx="98500" sy="100080" kx="100000" algn="tl" rotWithShape="0">
+              <a:srgbClr val="000000">
+                <a:alpha val="25000"/>
+              </a:srgbClr>
+            </a:outerShdw>
+          </a:effectLst>
+        </p:spPr>
+        <p:style>
+          <a:lnRef idx="2">
+            <a:schemeClr val="accent1"/>
+          </a:lnRef>
+          <a:fillRef idx="1">
+            <a:schemeClr val="accent1"/>
+          </a:fillRef>
+          <a:effectRef idx="0">
+            <a:schemeClr val="accent1"/>
+          </a:effectRef>
+          <a:fontRef idx="minor">
+            <a:schemeClr val="lt1"/>
+          </a:fontRef>
+        </p:style>
+        <p:txBody>
+          <a:bodyPr rtlCol="0" anchor="ctr"/>
+          <a:lstStyle/>
+          <a:p>
+            <a:pPr algn="ctr" eaLnBrk="1" latinLnBrk="0" hangingPunct="1"/>
+            <a:endParaRPr kumimoji="0" lang="en-US"/>
+          </a:p>
+        </p:txBody>
+      </p:sp>
+      <p:sp>
+        <p:nvSpPr>
+          <p:cNvPr id="12" name="Right Triangle 11"/>
+          <p:cNvSpPr/>
+          <p:nvPr/>
+        </p:nvSpPr>
+        <p:spPr>
+          <a:xfrm rot="420000" flipV="1">
+            <a:off x="8004134" y="5359769"/>
+            <a:ext cx="155448" cy="155448"/>
+          </a:xfrm>
+          <a:prstGeom prst="rtTriangle">
+            <a:avLst/>
+          </a:prstGeom>
+          <a:solidFill>
+            <a:srgbClr val="FFFFFF"/>
+          </a:solidFill>
+          <a:ln w="12700" cap="flat" cmpd="sng" algn="ctr">
+            <a:solidFill>
+              <a:srgbClr val="FFFFFF"/>
+            </a:solidFill>
+            <a:prstDash val="solid"/>
+            <a:bevel/>
+          </a:ln>
+          <a:effectLst>
+            <a:outerShdw blurRad="19685" dist="6350" dir="12900000" algn="tl" rotWithShape="0">
+              <a:srgbClr val="000000">
+                <a:alpha val="47000"/>
+              </a:srgbClr>
+            </a:outerShdw>
+          </a:effectLst>
+        </p:spPr>
+        <p:style>
+          <a:lnRef idx="2">
+            <a:schemeClr val="accent1"/>
+          </a:lnRef>
+          <a:fillRef idx="1">
+            <a:schemeClr val="accent1"/>
+          </a:fillRef>
+          <a:effectRef idx="0">
+            <a:schemeClr val="accent1"/>
+          </a:effectRef>
+          <a:fontRef idx="minor">
+            <a:schemeClr val="lt1"/>
+          </a:fontRef>
+        </p:style>
+        <p:txBody>
+          <a:bodyPr rtlCol="0" anchor="ctr"/>
+          <a:lstStyle/>
+          <a:p>
+            <a:pPr algn="ctr" eaLnBrk="1" latinLnBrk="0" hangingPunct="1"/>
+            <a:endParaRPr kumimoji="0" lang="en-US"/>
+          </a:p>
+        </p:txBody>
+      </p:sp>
+      <p:sp>
+        <p:nvSpPr>
+          <p:cNvPr id="2" name="Title 1"/>
           <p:cNvSpPr>
             <a:spLocks noGrp="1"/>
           </p:cNvSpPr>
@@ -2291,41 +2368,178 @@
         </p:nvSpPr>
         <p:spPr>
           <a:xfrm>
-            <a:off x="1792288" y="4800600"/>
-            <a:ext cx="5486400" cy="566738"/>
+            <a:off x="609600" y="1176996"/>
+            <a:ext cx="2212848" cy="1582621"/>
           </a:xfrm>
         </p:spPr>
         <p:txBody>
-          <a:bodyPr anchor="b"/>
+          <a:bodyPr vert="horz" lIns="45720" tIns="45720" rIns="45720" bIns="45720" anchor="b"/>
           <a:lstStyle>
             <a:lvl1pPr algn="l">
-              <a:defRPr sz="2000" b="1"/>
+              <a:buNone/>
+              <a:defRPr sz="2000" b="1">
+                <a:solidFill>
+                  <a:schemeClr val="tx2"/>
+                </a:solidFill>
+              </a:defRPr>
             </a:lvl1pPr>
           </a:lstStyle>
           <a:p>
             <a:r>
-              <a:rPr lang="ru-RU" smtClean="0"/>
+              <a:rPr kumimoji="0" lang="ru-RU" smtClean="0"/>
               <a:t>Образец заголовка</a:t>
             </a:r>
-            <a:endParaRPr lang="ru-RU"/>
-          </a:p>
-        </p:txBody>
-      </p:sp>
-      <p:sp>
-        <p:nvSpPr>
-          <p:cNvPr id="3" name="Рисунок 2"/>
-          <p:cNvSpPr>
-            <a:spLocks noGrp="1"/>
-          </p:cNvSpPr>
-          <p:nvPr>
-            <p:ph type="pic" idx="1"/>
+            <a:endParaRPr kumimoji="0" lang="en-US"/>
+          </a:p>
+        </p:txBody>
+      </p:sp>
+      <p:sp>
+        <p:nvSpPr>
+          <p:cNvPr id="4" name="Text Placeholder 3"/>
+          <p:cNvSpPr>
+            <a:spLocks noGrp="1"/>
+          </p:cNvSpPr>
+          <p:nvPr>
+            <p:ph type="body" sz="half" idx="2"/>
           </p:nvPr>
         </p:nvSpPr>
         <p:spPr>
           <a:xfrm>
-            <a:off x="1792288" y="612775"/>
-            <a:ext cx="5486400" cy="4114800"/>
+            <a:off x="609600" y="2828785"/>
+            <a:ext cx="2209800" cy="2179320"/>
           </a:xfrm>
+        </p:spPr>
+        <p:txBody>
+          <a:bodyPr lIns="64008" rIns="45720" bIns="45720" anchor="t"/>
+          <a:lstStyle>
+            <a:lvl1pPr marL="0" indent="0" algn="l">
+              <a:spcBef>
+                <a:spcPts val="250"/>
+              </a:spcBef>
+              <a:buFontTx/>
+              <a:buNone/>
+              <a:defRPr sz="1300"/>
+            </a:lvl1pPr>
+            <a:lvl2pPr>
+              <a:defRPr sz="1200"/>
+            </a:lvl2pPr>
+            <a:lvl3pPr>
+              <a:defRPr sz="1000"/>
+            </a:lvl3pPr>
+            <a:lvl4pPr>
+              <a:defRPr sz="900"/>
+            </a:lvl4pPr>
+            <a:lvl5pPr>
+              <a:defRPr sz="900"/>
+            </a:lvl5pPr>
+          </a:lstStyle>
+          <a:p>
+            <a:pPr lvl="0" eaLnBrk="1" latinLnBrk="0" hangingPunct="1"/>
+            <a:r>
+              <a:rPr kumimoji="0" lang="ru-RU" smtClean="0"/>
+              <a:t>Образец текста</a:t>
+            </a:r>
+          </a:p>
+        </p:txBody>
+      </p:sp>
+      <p:sp>
+        <p:nvSpPr>
+          <p:cNvPr id="5" name="Date Placeholder 4"/>
+          <p:cNvSpPr>
+            <a:spLocks noGrp="1"/>
+          </p:cNvSpPr>
+          <p:nvPr>
+            <p:ph type="dt" sz="half" idx="10"/>
+          </p:nvPr>
+        </p:nvSpPr>
+        <p:spPr/>
+        <p:txBody>
+          <a:bodyPr/>
+          <a:lstStyle/>
+          <a:p>
+            <a:fld id="{B4C71EC6-210F-42DE-9C53-41977AD35B3D}" type="datetimeFigureOut">
+              <a:rPr lang="ru-RU" smtClean="0"/>
+              <a:t>21.06.2018</a:t>
+            </a:fld>
+            <a:endParaRPr lang="ru-RU"/>
+          </a:p>
+        </p:txBody>
+      </p:sp>
+      <p:sp>
+        <p:nvSpPr>
+          <p:cNvPr id="6" name="Footer Placeholder 5"/>
+          <p:cNvSpPr>
+            <a:spLocks noGrp="1"/>
+          </p:cNvSpPr>
+          <p:nvPr>
+            <p:ph type="ftr" sz="quarter" idx="11"/>
+          </p:nvPr>
+        </p:nvSpPr>
+        <p:spPr/>
+        <p:txBody>
+          <a:bodyPr/>
+          <a:lstStyle/>
+          <a:p>
+            <a:endParaRPr lang="ru-RU"/>
+          </a:p>
+        </p:txBody>
+      </p:sp>
+      <p:sp>
+        <p:nvSpPr>
+          <p:cNvPr id="7" name="Slide Number Placeholder 6"/>
+          <p:cNvSpPr>
+            <a:spLocks noGrp="1"/>
+          </p:cNvSpPr>
+          <p:nvPr>
+            <p:ph type="sldNum" sz="quarter" idx="12"/>
+          </p:nvPr>
+        </p:nvSpPr>
+        <p:spPr>
+          <a:xfrm>
+            <a:off x="8077200" y="6356350"/>
+            <a:ext cx="609600" cy="365125"/>
+          </a:xfrm>
+        </p:spPr>
+        <p:txBody>
+          <a:bodyPr/>
+          <a:lstStyle/>
+          <a:p>
+            <a:fld id="{B19B0651-EE4F-4900-A07F-96A6BFA9D0F0}" type="slidenum">
+              <a:rPr lang="ru-RU" smtClean="0"/>
+              <a:t>‹#›</a:t>
+            </a:fld>
+            <a:endParaRPr lang="ru-RU"/>
+          </a:p>
+        </p:txBody>
+      </p:sp>
+      <p:sp>
+        <p:nvSpPr>
+          <p:cNvPr id="3" name="Picture Placeholder 2"/>
+          <p:cNvSpPr>
+            <a:spLocks noGrp="1"/>
+          </p:cNvSpPr>
+          <p:nvPr>
+            <p:ph type="pic" idx="1"/>
+          </p:nvPr>
+        </p:nvSpPr>
+        <p:spPr>
+          <a:xfrm rot="420000">
+            <a:off x="3485793" y="1199517"/>
+            <a:ext cx="4617720" cy="3931920"/>
+          </a:xfrm>
+          <a:prstGeom prst="rect">
+            <a:avLst/>
+          </a:prstGeom>
+          <a:solidFill>
+            <a:schemeClr val="bg2"/>
+          </a:solidFill>
+          <a:ln w="3000" cap="rnd">
+            <a:solidFill>
+              <a:srgbClr val="C0C0C0"/>
+            </a:solidFill>
+            <a:round/>
+          </a:ln>
+          <a:effectLst/>
         </p:spPr>
         <p:txBody>
           <a:bodyPr/>
@@ -2334,171 +2548,269 @@
               <a:buNone/>
               <a:defRPr sz="3200"/>
             </a:lvl1pPr>
-            <a:lvl2pPr marL="457200" indent="0">
-              <a:buNone/>
-              <a:defRPr sz="2800"/>
-            </a:lvl2pPr>
-            <a:lvl3pPr marL="914400" indent="0">
-              <a:buNone/>
-              <a:defRPr sz="2400"/>
-            </a:lvl3pPr>
-            <a:lvl4pPr marL="1371600" indent="0">
-              <a:buNone/>
-              <a:defRPr sz="2000"/>
-            </a:lvl4pPr>
-            <a:lvl5pPr marL="1828800" indent="0">
-              <a:buNone/>
-              <a:defRPr sz="2000"/>
-            </a:lvl5pPr>
-            <a:lvl6pPr marL="2286000" indent="0">
-              <a:buNone/>
-              <a:defRPr sz="2000"/>
-            </a:lvl6pPr>
-            <a:lvl7pPr marL="2743200" indent="0">
-              <a:buNone/>
-              <a:defRPr sz="2000"/>
-            </a:lvl7pPr>
-            <a:lvl8pPr marL="3200400" indent="0">
-              <a:buNone/>
-              <a:defRPr sz="2000"/>
-            </a:lvl8pPr>
-            <a:lvl9pPr marL="3657600" indent="0">
-              <a:buNone/>
-              <a:defRPr sz="2000"/>
-            </a:lvl9pPr>
           </a:lstStyle>
           <a:p>
-            <a:endParaRPr lang="ru-RU"/>
-          </a:p>
-        </p:txBody>
-      </p:sp>
-      <p:sp>
-        <p:nvSpPr>
-          <p:cNvPr id="4" name="Текст 3"/>
-          <p:cNvSpPr>
-            <a:spLocks noGrp="1"/>
-          </p:cNvSpPr>
-          <p:nvPr>
-            <p:ph type="body" sz="half" idx="2"/>
-          </p:nvPr>
-        </p:nvSpPr>
-        <p:spPr>
-          <a:xfrm>
-            <a:off x="1792288" y="5367338"/>
-            <a:ext cx="5486400" cy="804862"/>
+            <a:r>
+              <a:rPr kumimoji="0" lang="ru-RU" smtClean="0"/>
+              <a:t>Вставка рисунка</a:t>
+            </a:r>
+            <a:endParaRPr kumimoji="0" lang="en-US" dirty="0"/>
+          </a:p>
+        </p:txBody>
+      </p:sp>
+      <p:sp>
+        <p:nvSpPr>
+          <p:cNvPr id="10" name="Freeform 9"/>
+          <p:cNvSpPr>
+            <a:spLocks/>
+          </p:cNvSpPr>
+          <p:nvPr/>
+        </p:nvSpPr>
+        <p:spPr bwMode="auto">
+          <a:xfrm flipV="1">
+            <a:off x="-9525" y="5816600"/>
+            <a:ext cx="9163050" cy="1041400"/>
           </a:xfrm>
+          <a:custGeom>
+            <a:avLst>
+              <a:gd name="A1" fmla="val 0"/>
+              <a:gd name="A2" fmla="val 0"/>
+              <a:gd name="A3" fmla="val 0"/>
+              <a:gd name="A4" fmla="val 0"/>
+              <a:gd name="A5" fmla="val 0"/>
+              <a:gd name="A6" fmla="val 0"/>
+              <a:gd name="A7" fmla="val 0"/>
+              <a:gd name="A8" fmla="val 0"/>
+            </a:avLst>
+            <a:gdLst/>
+            <a:ahLst/>
+            <a:cxnLst>
+              <a:cxn ang="0">
+                <a:pos x="6" y="2"/>
+              </a:cxn>
+              <a:cxn ang="0">
+                <a:pos x="2542" y="0"/>
+              </a:cxn>
+              <a:cxn ang="0">
+                <a:pos x="4374" y="367"/>
+              </a:cxn>
+              <a:cxn ang="0">
+                <a:pos x="5766" y="55"/>
+              </a:cxn>
+              <a:cxn ang="0">
+                <a:pos x="5772" y="213"/>
+              </a:cxn>
+              <a:cxn ang="0">
+                <a:pos x="4302" y="439"/>
+              </a:cxn>
+              <a:cxn ang="0">
+                <a:pos x="1488" y="201"/>
+              </a:cxn>
+              <a:cxn ang="0">
+                <a:pos x="0" y="656"/>
+              </a:cxn>
+              <a:cxn ang="0">
+                <a:pos x="6" y="2"/>
+              </a:cxn>
+            </a:cxnLst>
+            <a:rect l="0" t="0" r="0" b="0"/>
+            <a:pathLst>
+              <a:path w="5772" h="656">
+                <a:moveTo>
+                  <a:pt x="6" y="2"/>
+                </a:moveTo>
+                <a:lnTo>
+                  <a:pt x="2542" y="0"/>
+                </a:lnTo>
+                <a:cubicBezTo>
+                  <a:pt x="2746" y="101"/>
+                  <a:pt x="3828" y="367"/>
+                  <a:pt x="4374" y="367"/>
+                </a:cubicBezTo>
+                <a:cubicBezTo>
+                  <a:pt x="4920" y="367"/>
+                  <a:pt x="5526" y="152"/>
+                  <a:pt x="5766" y="55"/>
+                </a:cubicBezTo>
+                <a:lnTo>
+                  <a:pt x="5772" y="213"/>
+                </a:lnTo>
+                <a:cubicBezTo>
+                  <a:pt x="5670" y="257"/>
+                  <a:pt x="5016" y="441"/>
+                  <a:pt x="4302" y="439"/>
+                </a:cubicBezTo>
+                <a:cubicBezTo>
+                  <a:pt x="3588" y="437"/>
+                  <a:pt x="2205" y="165"/>
+                  <a:pt x="1488" y="201"/>
+                </a:cubicBezTo>
+                <a:cubicBezTo>
+                  <a:pt x="750" y="209"/>
+                  <a:pt x="270" y="482"/>
+                  <a:pt x="0" y="656"/>
+                </a:cubicBezTo>
+                <a:lnTo>
+                  <a:pt x="6" y="2"/>
+                </a:lnTo>
+                <a:close/>
+              </a:path>
+            </a:pathLst>
+          </a:custGeom>
+          <a:gradFill>
+            <a:gsLst>
+              <a:gs pos="0">
+                <a:schemeClr val="accent2">
+                  <a:shade val="50000"/>
+                  <a:alpha val="45000"/>
+                  <a:satMod val="120000"/>
+                </a:schemeClr>
+              </a:gs>
+              <a:gs pos="100000">
+                <a:schemeClr val="accent3">
+                  <a:shade val="80000"/>
+                  <a:alpha val="55000"/>
+                  <a:satMod val="155000"/>
+                </a:schemeClr>
+              </a:gs>
+            </a:gsLst>
+            <a:lin ang="5400000" scaled="1"/>
+          </a:gradFill>
+          <a:ln w="9525" cap="flat" cmpd="sng" algn="ctr">
+            <a:noFill/>
+            <a:prstDash val="solid"/>
+            <a:round/>
+            <a:headEnd type="none" w="med" len="med"/>
+            <a:tailEnd type="none" w="med" len="med"/>
+          </a:ln>
+          <a:effectLst/>
         </p:spPr>
         <p:txBody>
-          <a:bodyPr/>
-          <a:lstStyle>
-            <a:lvl1pPr marL="0" indent="0">
-              <a:buNone/>
-              <a:defRPr sz="1400"/>
-            </a:lvl1pPr>
-            <a:lvl2pPr marL="457200" indent="0">
-              <a:buNone/>
-              <a:defRPr sz="1200"/>
-            </a:lvl2pPr>
-            <a:lvl3pPr marL="914400" indent="0">
-              <a:buNone/>
-              <a:defRPr sz="1000"/>
-            </a:lvl3pPr>
-            <a:lvl4pPr marL="1371600" indent="0">
-              <a:buNone/>
-              <a:defRPr sz="900"/>
-            </a:lvl4pPr>
-            <a:lvl5pPr marL="1828800" indent="0">
-              <a:buNone/>
-              <a:defRPr sz="900"/>
-            </a:lvl5pPr>
-            <a:lvl6pPr marL="2286000" indent="0">
-              <a:buNone/>
-              <a:defRPr sz="900"/>
-            </a:lvl6pPr>
-            <a:lvl7pPr marL="2743200" indent="0">
-              <a:buNone/>
-              <a:defRPr sz="900"/>
-            </a:lvl7pPr>
-            <a:lvl8pPr marL="3200400" indent="0">
-              <a:buNone/>
-              <a:defRPr sz="900"/>
-            </a:lvl8pPr>
-            <a:lvl9pPr marL="3657600" indent="0">
-              <a:buNone/>
-              <a:defRPr sz="900"/>
-            </a:lvl9pPr>
-          </a:lstStyle>
-          <a:p>
-            <a:pPr lvl="0"/>
-            <a:r>
-              <a:rPr lang="ru-RU" smtClean="0"/>
-              <a:t>Образец текста</a:t>
-            </a:r>
-          </a:p>
-        </p:txBody>
-      </p:sp>
-      <p:sp>
-        <p:nvSpPr>
-          <p:cNvPr id="5" name="Дата 4"/>
-          <p:cNvSpPr>
-            <a:spLocks noGrp="1"/>
-          </p:cNvSpPr>
-          <p:nvPr>
-            <p:ph type="dt" sz="half" idx="10"/>
-          </p:nvPr>
-        </p:nvSpPr>
-        <p:spPr/>
-        <p:txBody>
-          <a:bodyPr/>
-          <a:lstStyle/>
-          <a:p>
-            <a:fld id="{B4C71EC6-210F-42DE-9C53-41977AD35B3D}" type="datetimeFigureOut">
-              <a:rPr lang="ru-RU" smtClean="0"/>
-              <a:t>12.11.2009</a:t>
-            </a:fld>
-            <a:endParaRPr lang="ru-RU"/>
-          </a:p>
-        </p:txBody>
-      </p:sp>
-      <p:sp>
-        <p:nvSpPr>
-          <p:cNvPr id="6" name="Нижний колонтитул 5"/>
-          <p:cNvSpPr>
-            <a:spLocks noGrp="1"/>
-          </p:cNvSpPr>
-          <p:nvPr>
-            <p:ph type="ftr" sz="quarter" idx="11"/>
-          </p:nvPr>
-        </p:nvSpPr>
-        <p:spPr/>
-        <p:txBody>
-          <a:bodyPr/>
-          <a:lstStyle/>
-          <a:p>
-            <a:endParaRPr lang="ru-RU"/>
-          </a:p>
-        </p:txBody>
-      </p:sp>
-      <p:sp>
-        <p:nvSpPr>
-          <p:cNvPr id="7" name="Номер слайда 6"/>
-          <p:cNvSpPr>
-            <a:spLocks noGrp="1"/>
-          </p:cNvSpPr>
-          <p:nvPr>
-            <p:ph type="sldNum" sz="quarter" idx="12"/>
-          </p:nvPr>
-        </p:nvSpPr>
-        <p:spPr/>
-        <p:txBody>
-          <a:bodyPr/>
-          <a:lstStyle/>
-          <a:p>
-            <a:fld id="{B19B0651-EE4F-4900-A07F-96A6BFA9D0F0}" type="slidenum">
-              <a:rPr lang="ru-RU" smtClean="0"/>
-              <a:t>‹#›</a:t>
-            </a:fld>
-            <a:endParaRPr lang="ru-RU"/>
+          <a:bodyPr vert="horz" wrap="square" lIns="91440" tIns="45720" rIns="91440" bIns="45720" anchor="t" compatLnSpc="1"/>
+          <a:lstStyle/>
+          <a:p>
+            <a:pPr marL="0" algn="l" rtl="0" eaLnBrk="1" latinLnBrk="0" hangingPunct="1"/>
+            <a:endParaRPr kumimoji="0" lang="en-US">
+              <a:solidFill>
+                <a:schemeClr val="tx1"/>
+              </a:solidFill>
+              <a:latin typeface="+mn-lt"/>
+              <a:ea typeface="+mn-ea"/>
+              <a:cs typeface="+mn-cs"/>
+            </a:endParaRPr>
+          </a:p>
+        </p:txBody>
+      </p:sp>
+      <p:sp>
+        <p:nvSpPr>
+          <p:cNvPr id="11" name="Freeform 10"/>
+          <p:cNvSpPr>
+            <a:spLocks/>
+          </p:cNvSpPr>
+          <p:nvPr/>
+        </p:nvSpPr>
+        <p:spPr bwMode="auto">
+          <a:xfrm flipV="1">
+            <a:off x="4381500" y="6219825"/>
+            <a:ext cx="4762500" cy="638175"/>
+          </a:xfrm>
+          <a:custGeom>
+            <a:avLst>
+              <a:gd name="A1" fmla="val 0"/>
+              <a:gd name="A2" fmla="val 0"/>
+              <a:gd name="A3" fmla="val 0"/>
+              <a:gd name="A4" fmla="val 0"/>
+              <a:gd name="A5" fmla="val 0"/>
+              <a:gd name="A6" fmla="val 0"/>
+              <a:gd name="A7" fmla="val 0"/>
+              <a:gd name="A8" fmla="val 0"/>
+            </a:avLst>
+            <a:gdLst/>
+            <a:ahLst/>
+            <a:cxnLst>
+              <a:cxn ang="0">
+                <a:pos x="0" y="0"/>
+              </a:cxn>
+              <a:cxn ang="0">
+                <a:pos x="1668" y="564"/>
+              </a:cxn>
+              <a:cxn ang="0">
+                <a:pos x="3000" y="186"/>
+              </a:cxn>
+              <a:cxn ang="0">
+                <a:pos x="3000" y="6"/>
+              </a:cxn>
+              <a:cxn ang="0">
+                <a:pos x="0" y="0"/>
+              </a:cxn>
+            </a:cxnLst>
+            <a:rect l="0" t="0" r="0" b="0"/>
+            <a:pathLst>
+              <a:path w="3000" h="595">
+                <a:moveTo>
+                  <a:pt x="0" y="0"/>
+                </a:moveTo>
+                <a:cubicBezTo>
+                  <a:pt x="174" y="102"/>
+                  <a:pt x="1168" y="533"/>
+                  <a:pt x="1668" y="564"/>
+                </a:cubicBezTo>
+                <a:cubicBezTo>
+                  <a:pt x="2168" y="595"/>
+                  <a:pt x="2778" y="279"/>
+                  <a:pt x="3000" y="186"/>
+                </a:cubicBezTo>
+                <a:lnTo>
+                  <a:pt x="3000" y="6"/>
+                </a:lnTo>
+                <a:lnTo>
+                  <a:pt x="0" y="0"/>
+                </a:lnTo>
+                <a:close/>
+              </a:path>
+            </a:pathLst>
+          </a:custGeom>
+          <a:gradFill>
+            <a:gsLst>
+              <a:gs pos="0">
+                <a:schemeClr val="accent3">
+                  <a:shade val="50000"/>
+                  <a:alpha val="30000"/>
+                  <a:satMod val="130000"/>
+                </a:schemeClr>
+              </a:gs>
+              <a:gs pos="80000">
+                <a:schemeClr val="accent2">
+                  <a:shade val="75000"/>
+                  <a:alpha val="45000"/>
+                  <a:satMod val="140000"/>
+                </a:schemeClr>
+              </a:gs>
+            </a:gsLst>
+            <a:lin ang="5400000" scaled="1"/>
+          </a:gradFill>
+          <a:ln w="9525" cap="flat" cmpd="sng" algn="ctr">
+            <a:noFill/>
+            <a:prstDash val="solid"/>
+            <a:round/>
+            <a:headEnd type="none" w="med" len="med"/>
+            <a:tailEnd type="none" w="med" len="med"/>
+          </a:ln>
+          <a:effectLst/>
+        </p:spPr>
+        <p:txBody>
+          <a:bodyPr vert="horz" wrap="square" lIns="91440" tIns="45720" rIns="91440" bIns="45720" anchor="t" compatLnSpc="1"/>
+          <a:lstStyle/>
+          <a:p>
+            <a:pPr marL="0" algn="l" rtl="0" eaLnBrk="1" latinLnBrk="0" hangingPunct="1"/>
+            <a:endParaRPr kumimoji="0" lang="en-US">
+              <a:solidFill>
+                <a:schemeClr val="tx1"/>
+              </a:solidFill>
+              <a:latin typeface="+mn-lt"/>
+              <a:ea typeface="+mn-ea"/>
+              <a:cs typeface="+mn-cs"/>
+            </a:endParaRPr>
           </a:p>
         </p:txBody>
       </p:sp>
@@ -2514,7 +2826,7 @@
 <p:sldMaster xmlns:a="http://schemas.openxmlformats.org/drawingml/2006/main" xmlns:r="http://schemas.openxmlformats.org/officeDocument/2006/relationships" xmlns:p="http://schemas.openxmlformats.org/presentationml/2006/main">
   <p:cSld>
     <p:bg>
-      <p:bgRef idx="1001">
+      <p:bgRef idx="1003">
         <a:schemeClr val="bg1"/>
       </p:bgRef>
     </p:bg>
@@ -2534,7 +2846,263 @@
       </p:grpSpPr>
       <p:sp>
         <p:nvSpPr>
-          <p:cNvPr id="2" name="Заголовок 1"/>
+          <p:cNvPr id="7" name="Freeform 6"/>
+          <p:cNvSpPr>
+            <a:spLocks/>
+          </p:cNvSpPr>
+          <p:nvPr/>
+        </p:nvSpPr>
+        <p:spPr bwMode="auto">
+          <a:xfrm>
+            <a:off x="-9525" y="-7144"/>
+            <a:ext cx="9163050" cy="1041400"/>
+          </a:xfrm>
+          <a:custGeom>
+            <a:avLst>
+              <a:gd name="A1" fmla="val 0"/>
+              <a:gd name="A2" fmla="val 0"/>
+              <a:gd name="A3" fmla="val 0"/>
+              <a:gd name="A4" fmla="val 0"/>
+              <a:gd name="A5" fmla="val 0"/>
+              <a:gd name="A6" fmla="val 0"/>
+              <a:gd name="A7" fmla="val 0"/>
+              <a:gd name="A8" fmla="val 0"/>
+            </a:avLst>
+            <a:gdLst/>
+            <a:ahLst/>
+            <a:cxnLst>
+              <a:cxn ang="0">
+                <a:pos x="6" y="2"/>
+              </a:cxn>
+              <a:cxn ang="0">
+                <a:pos x="2542" y="0"/>
+              </a:cxn>
+              <a:cxn ang="0">
+                <a:pos x="4374" y="367"/>
+              </a:cxn>
+              <a:cxn ang="0">
+                <a:pos x="5766" y="55"/>
+              </a:cxn>
+              <a:cxn ang="0">
+                <a:pos x="5772" y="213"/>
+              </a:cxn>
+              <a:cxn ang="0">
+                <a:pos x="4302" y="439"/>
+              </a:cxn>
+              <a:cxn ang="0">
+                <a:pos x="1488" y="201"/>
+              </a:cxn>
+              <a:cxn ang="0">
+                <a:pos x="0" y="656"/>
+              </a:cxn>
+              <a:cxn ang="0">
+                <a:pos x="6" y="2"/>
+              </a:cxn>
+            </a:cxnLst>
+            <a:rect l="0" t="0" r="0" b="0"/>
+            <a:pathLst>
+              <a:path w="5772" h="656">
+                <a:moveTo>
+                  <a:pt x="6" y="2"/>
+                </a:moveTo>
+                <a:lnTo>
+                  <a:pt x="2542" y="0"/>
+                </a:lnTo>
+                <a:cubicBezTo>
+                  <a:pt x="2746" y="101"/>
+                  <a:pt x="3828" y="367"/>
+                  <a:pt x="4374" y="367"/>
+                </a:cubicBezTo>
+                <a:cubicBezTo>
+                  <a:pt x="4920" y="367"/>
+                  <a:pt x="5526" y="152"/>
+                  <a:pt x="5766" y="55"/>
+                </a:cubicBezTo>
+                <a:lnTo>
+                  <a:pt x="5772" y="213"/>
+                </a:lnTo>
+                <a:cubicBezTo>
+                  <a:pt x="5670" y="257"/>
+                  <a:pt x="5016" y="441"/>
+                  <a:pt x="4302" y="439"/>
+                </a:cubicBezTo>
+                <a:cubicBezTo>
+                  <a:pt x="3588" y="437"/>
+                  <a:pt x="2205" y="165"/>
+                  <a:pt x="1488" y="201"/>
+                </a:cubicBezTo>
+                <a:cubicBezTo>
+                  <a:pt x="750" y="209"/>
+                  <a:pt x="270" y="482"/>
+                  <a:pt x="0" y="656"/>
+                </a:cubicBezTo>
+                <a:lnTo>
+                  <a:pt x="6" y="2"/>
+                </a:lnTo>
+                <a:close/>
+              </a:path>
+            </a:pathLst>
+          </a:custGeom>
+          <a:gradFill>
+            <a:gsLst>
+              <a:gs pos="0">
+                <a:schemeClr val="accent2">
+                  <a:shade val="50000"/>
+                  <a:alpha val="45000"/>
+                  <a:satMod val="120000"/>
+                </a:schemeClr>
+              </a:gs>
+              <a:gs pos="100000">
+                <a:schemeClr val="accent3">
+                  <a:shade val="80000"/>
+                  <a:alpha val="55000"/>
+                  <a:satMod val="155000"/>
+                </a:schemeClr>
+              </a:gs>
+            </a:gsLst>
+            <a:lin ang="5400000" scaled="1"/>
+          </a:gradFill>
+          <a:ln w="9525" cap="flat" cmpd="sng" algn="ctr">
+            <a:noFill/>
+            <a:prstDash val="solid"/>
+            <a:round/>
+            <a:headEnd type="none" w="med" len="med"/>
+            <a:tailEnd type="none" w="med" len="med"/>
+          </a:ln>
+          <a:effectLst/>
+        </p:spPr>
+        <p:txBody>
+          <a:bodyPr vert="horz" wrap="square" lIns="91440" tIns="45720" rIns="91440" bIns="45720" anchor="t" compatLnSpc="1"/>
+          <a:lstStyle/>
+          <a:p>
+            <a:pPr marL="0" algn="l" rtl="0" eaLnBrk="1" latinLnBrk="0" hangingPunct="1"/>
+            <a:endParaRPr kumimoji="0" lang="en-US">
+              <a:solidFill>
+                <a:schemeClr val="tx1"/>
+              </a:solidFill>
+              <a:latin typeface="+mn-lt"/>
+              <a:ea typeface="+mn-ea"/>
+              <a:cs typeface="+mn-cs"/>
+            </a:endParaRPr>
+          </a:p>
+        </p:txBody>
+      </p:sp>
+      <p:sp>
+        <p:nvSpPr>
+          <p:cNvPr id="8" name="Freeform 7"/>
+          <p:cNvSpPr>
+            <a:spLocks/>
+          </p:cNvSpPr>
+          <p:nvPr/>
+        </p:nvSpPr>
+        <p:spPr bwMode="auto">
+          <a:xfrm>
+            <a:off x="4381500" y="-7144"/>
+            <a:ext cx="4762500" cy="638175"/>
+          </a:xfrm>
+          <a:custGeom>
+            <a:avLst>
+              <a:gd name="A1" fmla="val 0"/>
+              <a:gd name="A2" fmla="val 0"/>
+              <a:gd name="A3" fmla="val 0"/>
+              <a:gd name="A4" fmla="val 0"/>
+              <a:gd name="A5" fmla="val 0"/>
+              <a:gd name="A6" fmla="val 0"/>
+              <a:gd name="A7" fmla="val 0"/>
+              <a:gd name="A8" fmla="val 0"/>
+            </a:avLst>
+            <a:gdLst/>
+            <a:ahLst/>
+            <a:cxnLst>
+              <a:cxn ang="0">
+                <a:pos x="0" y="0"/>
+              </a:cxn>
+              <a:cxn ang="0">
+                <a:pos x="1668" y="564"/>
+              </a:cxn>
+              <a:cxn ang="0">
+                <a:pos x="3000" y="186"/>
+              </a:cxn>
+              <a:cxn ang="0">
+                <a:pos x="3000" y="6"/>
+              </a:cxn>
+              <a:cxn ang="0">
+                <a:pos x="0" y="0"/>
+              </a:cxn>
+            </a:cxnLst>
+            <a:rect l="0" t="0" r="0" b="0"/>
+            <a:pathLst>
+              <a:path w="3000" h="595">
+                <a:moveTo>
+                  <a:pt x="0" y="0"/>
+                </a:moveTo>
+                <a:cubicBezTo>
+                  <a:pt x="174" y="102"/>
+                  <a:pt x="1168" y="533"/>
+                  <a:pt x="1668" y="564"/>
+                </a:cubicBezTo>
+                <a:cubicBezTo>
+                  <a:pt x="2168" y="595"/>
+                  <a:pt x="2778" y="279"/>
+                  <a:pt x="3000" y="186"/>
+                </a:cubicBezTo>
+                <a:lnTo>
+                  <a:pt x="3000" y="6"/>
+                </a:lnTo>
+                <a:lnTo>
+                  <a:pt x="0" y="0"/>
+                </a:lnTo>
+                <a:close/>
+              </a:path>
+            </a:pathLst>
+          </a:custGeom>
+          <a:gradFill>
+            <a:gsLst>
+              <a:gs pos="0">
+                <a:schemeClr val="accent3">
+                  <a:shade val="50000"/>
+                  <a:alpha val="30000"/>
+                  <a:satMod val="130000"/>
+                </a:schemeClr>
+              </a:gs>
+              <a:gs pos="80000">
+                <a:schemeClr val="accent2">
+                  <a:shade val="75000"/>
+                  <a:alpha val="45000"/>
+                  <a:satMod val="140000"/>
+                </a:schemeClr>
+              </a:gs>
+            </a:gsLst>
+            <a:lin ang="5400000" scaled="1"/>
+          </a:gradFill>
+          <a:ln w="9525" cap="flat" cmpd="sng" algn="ctr">
+            <a:noFill/>
+            <a:prstDash val="solid"/>
+            <a:round/>
+            <a:headEnd type="none" w="med" len="med"/>
+            <a:tailEnd type="none" w="med" len="med"/>
+          </a:ln>
+          <a:effectLst/>
+        </p:spPr>
+        <p:txBody>
+          <a:bodyPr vert="horz" wrap="square" lIns="91440" tIns="45720" rIns="91440" bIns="45720" anchor="t" compatLnSpc="1"/>
+          <a:lstStyle/>
+          <a:p>
+            <a:pPr marL="0" algn="l" rtl="0" eaLnBrk="1" latinLnBrk="0" hangingPunct="1"/>
+            <a:endParaRPr kumimoji="0" lang="en-US">
+              <a:solidFill>
+                <a:schemeClr val="tx1"/>
+              </a:solidFill>
+              <a:latin typeface="+mn-lt"/>
+              <a:ea typeface="+mn-ea"/>
+              <a:cs typeface="+mn-cs"/>
+            </a:endParaRPr>
+          </a:p>
+        </p:txBody>
+      </p:sp>
+      <p:sp>
+        <p:nvSpPr>
+          <p:cNvPr id="9" name="Title Placeholder 8"/>
           <p:cNvSpPr>
             <a:spLocks noGrp="1"/>
           </p:cNvSpPr>
@@ -2544,7 +3112,7 @@
         </p:nvSpPr>
         <p:spPr>
           <a:xfrm>
-            <a:off x="457200" y="274638"/>
+            <a:off x="457200" y="704088"/>
             <a:ext cx="8229600" cy="1143000"/>
           </a:xfrm>
           <a:prstGeom prst="rect">
@@ -2552,22 +3120,22 @@
           </a:prstGeom>
         </p:spPr>
         <p:txBody>
-          <a:bodyPr vert="horz" lIns="91440" tIns="45720" rIns="91440" bIns="45720" rtlCol="0" anchor="ctr">
+          <a:bodyPr vert="horz" lIns="0" rIns="0" bIns="0" anchor="b">
             <a:normAutofit/>
           </a:bodyPr>
           <a:lstStyle/>
           <a:p>
             <a:r>
-              <a:rPr lang="ru-RU" smtClean="0"/>
+              <a:rPr kumimoji="0" lang="ru-RU" smtClean="0"/>
               <a:t>Образец заголовка</a:t>
             </a:r>
-            <a:endParaRPr lang="ru-RU"/>
-          </a:p>
-        </p:txBody>
-      </p:sp>
-      <p:sp>
-        <p:nvSpPr>
-          <p:cNvPr id="3" name="Текст 2"/>
+            <a:endParaRPr kumimoji="0" lang="en-US"/>
+          </a:p>
+        </p:txBody>
+      </p:sp>
+      <p:sp>
+        <p:nvSpPr>
+          <p:cNvPr id="30" name="Text Placeholder 29"/>
           <p:cNvSpPr>
             <a:spLocks noGrp="1"/>
           </p:cNvSpPr>
@@ -2577,59 +3145,59 @@
         </p:nvSpPr>
         <p:spPr>
           <a:xfrm>
-            <a:off x="457200" y="1600200"/>
-            <a:ext cx="8229600" cy="4525963"/>
+            <a:off x="457200" y="1935480"/>
+            <a:ext cx="8229600" cy="4389120"/>
           </a:xfrm>
           <a:prstGeom prst="rect">
             <a:avLst/>
           </a:prstGeom>
         </p:spPr>
         <p:txBody>
-          <a:bodyPr vert="horz" lIns="91440" tIns="45720" rIns="91440" bIns="45720" rtlCol="0">
+          <a:bodyPr vert="horz">
             <a:normAutofit/>
           </a:bodyPr>
           <a:lstStyle/>
           <a:p>
-            <a:pPr lvl="0"/>
-            <a:r>
-              <a:rPr lang="ru-RU" smtClean="0"/>
+            <a:pPr lvl="0" eaLnBrk="1" latinLnBrk="0" hangingPunct="1"/>
+            <a:r>
+              <a:rPr kumimoji="0" lang="ru-RU" smtClean="0"/>
               <a:t>Образец текста</a:t>
             </a:r>
           </a:p>
           <a:p>
-            <a:pPr lvl="1"/>
-            <a:r>
-              <a:rPr lang="ru-RU" smtClean="0"/>
+            <a:pPr lvl="1" eaLnBrk="1" latinLnBrk="0" hangingPunct="1"/>
+            <a:r>
+              <a:rPr kumimoji="0" lang="ru-RU" smtClean="0"/>
               <a:t>Второй уровень</a:t>
             </a:r>
           </a:p>
           <a:p>
-            <a:pPr lvl="2"/>
-            <a:r>
-              <a:rPr lang="ru-RU" smtClean="0"/>
+            <a:pPr lvl="2" eaLnBrk="1" latinLnBrk="0" hangingPunct="1"/>
+            <a:r>
+              <a:rPr kumimoji="0" lang="ru-RU" smtClean="0"/>
               <a:t>Третий уровень</a:t>
             </a:r>
           </a:p>
           <a:p>
-            <a:pPr lvl="3"/>
-            <a:r>
-              <a:rPr lang="ru-RU" smtClean="0"/>
+            <a:pPr lvl="3" eaLnBrk="1" latinLnBrk="0" hangingPunct="1"/>
+            <a:r>
+              <a:rPr kumimoji="0" lang="ru-RU" smtClean="0"/>
               <a:t>Четвертый уровень</a:t>
             </a:r>
           </a:p>
           <a:p>
-            <a:pPr lvl="4"/>
-            <a:r>
-              <a:rPr lang="ru-RU" smtClean="0"/>
+            <a:pPr lvl="4" eaLnBrk="1" latinLnBrk="0" hangingPunct="1"/>
+            <a:r>
+              <a:rPr kumimoji="0" lang="ru-RU" smtClean="0"/>
               <a:t>Пятый уровень</a:t>
             </a:r>
-            <a:endParaRPr lang="ru-RU"/>
-          </a:p>
-        </p:txBody>
-      </p:sp>
-      <p:sp>
-        <p:nvSpPr>
-          <p:cNvPr id="4" name="Дата 3"/>
+            <a:endParaRPr kumimoji="0" lang="en-US"/>
+          </a:p>
+        </p:txBody>
+      </p:sp>
+      <p:sp>
+        <p:nvSpPr>
+          <p:cNvPr id="10" name="Date Placeholder 9"/>
           <p:cNvSpPr>
             <a:spLocks noGrp="1"/>
           </p:cNvSpPr>
@@ -2647,13 +3215,13 @@
           </a:prstGeom>
         </p:spPr>
         <p:txBody>
-          <a:bodyPr vert="horz" lIns="91440" tIns="45720" rIns="91440" bIns="45720" rtlCol="0" anchor="ctr"/>
+          <a:bodyPr vert="horz" lIns="0" tIns="0" rIns="0" bIns="0" anchor="b"/>
           <a:lstStyle>
-            <a:lvl1pPr algn="l">
-              <a:defRPr sz="1200">
+            <a:lvl1pPr algn="l" eaLnBrk="1" latinLnBrk="0" hangingPunct="1">
+              <a:defRPr kumimoji="0" sz="1200">
                 <a:solidFill>
-                  <a:schemeClr val="tx1">
-                    <a:tint val="75000"/>
+                  <a:schemeClr val="tx2">
+                    <a:shade val="90000"/>
                   </a:schemeClr>
                 </a:solidFill>
               </a:defRPr>
@@ -2662,7 +3230,7 @@
           <a:p>
             <a:fld id="{B4C71EC6-210F-42DE-9C53-41977AD35B3D}" type="datetimeFigureOut">
               <a:rPr lang="ru-RU" smtClean="0"/>
-              <a:t>12.11.2009</a:t>
+              <a:t>21.06.2018</a:t>
             </a:fld>
             <a:endParaRPr lang="ru-RU"/>
           </a:p>
@@ -2670,7 +3238,7 @@
       </p:sp>
       <p:sp>
         <p:nvSpPr>
-          <p:cNvPr id="5" name="Нижний колонтитул 4"/>
+          <p:cNvPr id="22" name="Footer Placeholder 21"/>
           <p:cNvSpPr>
             <a:spLocks noGrp="1"/>
           </p:cNvSpPr>
@@ -2680,21 +3248,21 @@
         </p:nvSpPr>
         <p:spPr>
           <a:xfrm>
-            <a:off x="3124200" y="6356350"/>
-            <a:ext cx="2895600" cy="365125"/>
+            <a:off x="2667000" y="6356350"/>
+            <a:ext cx="3352800" cy="365125"/>
           </a:xfrm>
           <a:prstGeom prst="rect">
             <a:avLst/>
           </a:prstGeom>
         </p:spPr>
         <p:txBody>
-          <a:bodyPr vert="horz" lIns="91440" tIns="45720" rIns="91440" bIns="45720" rtlCol="0" anchor="ctr"/>
+          <a:bodyPr vert="horz" lIns="0" tIns="0" rIns="0" bIns="0" anchor="b"/>
           <a:lstStyle>
-            <a:lvl1pPr algn="ctr">
-              <a:defRPr sz="1200">
+            <a:lvl1pPr algn="l" eaLnBrk="1" latinLnBrk="0" hangingPunct="1">
+              <a:defRPr kumimoji="0" sz="1200">
                 <a:solidFill>
-                  <a:schemeClr val="tx1">
-                    <a:tint val="75000"/>
+                  <a:schemeClr val="tx2">
+                    <a:shade val="90000"/>
                   </a:schemeClr>
                 </a:solidFill>
               </a:defRPr>
@@ -2707,7 +3275,7 @@
       </p:sp>
       <p:sp>
         <p:nvSpPr>
-          <p:cNvPr id="6" name="Номер слайда 5"/>
+          <p:cNvPr id="18" name="Slide Number Placeholder 17"/>
           <p:cNvSpPr>
             <a:spLocks noGrp="1"/>
           </p:cNvSpPr>
@@ -2717,21 +3285,21 @@
         </p:nvSpPr>
         <p:spPr>
           <a:xfrm>
-            <a:off x="6553200" y="6356350"/>
-            <a:ext cx="2133600" cy="365125"/>
+            <a:off x="7924800" y="6356350"/>
+            <a:ext cx="762000" cy="365125"/>
           </a:xfrm>
           <a:prstGeom prst="rect">
             <a:avLst/>
           </a:prstGeom>
         </p:spPr>
         <p:txBody>
-          <a:bodyPr vert="horz" lIns="91440" tIns="45720" rIns="91440" bIns="45720" rtlCol="0" anchor="ctr"/>
+          <a:bodyPr vert="horz" lIns="0" tIns="0" rIns="0" bIns="0" anchor="b"/>
           <a:lstStyle>
-            <a:lvl1pPr algn="r">
-              <a:defRPr sz="1200">
+            <a:lvl1pPr algn="r" eaLnBrk="1" latinLnBrk="0" hangingPunct="1">
+              <a:defRPr kumimoji="0" sz="1200">
                 <a:solidFill>
-                  <a:schemeClr val="tx1">
-                    <a:tint val="75000"/>
+                  <a:schemeClr val="tx2">
+                    <a:shade val="90000"/>
                   </a:schemeClr>
                 </a:solidFill>
               </a:defRPr>
@@ -2746,33 +3314,251 @@
           </a:p>
         </p:txBody>
       </p:sp>
+      <p:grpSp>
+        <p:nvGrpSpPr>
+          <p:cNvPr id="2" name="Group 1"/>
+          <p:cNvGrpSpPr/>
+          <p:nvPr/>
+        </p:nvGrpSpPr>
+        <p:grpSpPr>
+          <a:xfrm>
+            <a:off x="-19017" y="202408"/>
+            <a:ext cx="9180548" cy="649224"/>
+            <a:chOff x="-19045" y="216550"/>
+            <a:chExt cx="9180548" cy="649224"/>
+          </a:xfrm>
+        </p:grpSpPr>
+        <p:sp>
+          <p:nvSpPr>
+            <p:cNvPr id="12" name="Freeform 11"/>
+            <p:cNvSpPr>
+              <a:spLocks/>
+            </p:cNvSpPr>
+            <p:nvPr/>
+          </p:nvSpPr>
+          <p:spPr bwMode="auto">
+            <a:xfrm rot="21435692">
+              <a:off x="-19045" y="216550"/>
+              <a:ext cx="9163050" cy="649224"/>
+            </a:xfrm>
+            <a:custGeom>
+              <a:avLst>
+                <a:gd name="A1" fmla="val 0"/>
+                <a:gd name="A2" fmla="val 0"/>
+                <a:gd name="A3" fmla="val 0"/>
+                <a:gd name="A4" fmla="val 0"/>
+                <a:gd name="A5" fmla="val 0"/>
+                <a:gd name="A6" fmla="val 0"/>
+                <a:gd name="A7" fmla="val 0"/>
+                <a:gd name="A8" fmla="val 0"/>
+              </a:avLst>
+              <a:gdLst/>
+              <a:ahLst/>
+              <a:cxnLst>
+                <a:cxn ang="0">
+                  <a:pos x="0" y="966"/>
+                </a:cxn>
+                <a:cxn ang="0">
+                  <a:pos x="1608" y="282"/>
+                </a:cxn>
+                <a:cxn ang="0">
+                  <a:pos x="4110" y="1008"/>
+                </a:cxn>
+                <a:cxn ang="0">
+                  <a:pos x="5772" y="0"/>
+                </a:cxn>
+              </a:cxnLst>
+              <a:rect l="0" t="0" r="0" b="0"/>
+              <a:pathLst>
+                <a:path w="5772" h="1055">
+                  <a:moveTo>
+                    <a:pt x="0" y="966"/>
+                  </a:moveTo>
+                  <a:cubicBezTo>
+                    <a:pt x="282" y="738"/>
+                    <a:pt x="923" y="275"/>
+                    <a:pt x="1608" y="282"/>
+                  </a:cubicBezTo>
+                  <a:cubicBezTo>
+                    <a:pt x="2293" y="289"/>
+                    <a:pt x="3416" y="1055"/>
+                    <a:pt x="4110" y="1008"/>
+                  </a:cubicBezTo>
+                  <a:cubicBezTo>
+                    <a:pt x="4804" y="961"/>
+                    <a:pt x="5426" y="210"/>
+                    <a:pt x="5772" y="0"/>
+                  </a:cubicBezTo>
+                </a:path>
+              </a:pathLst>
+            </a:custGeom>
+            <a:noFill/>
+            <a:ln w="10795" cap="flat" cmpd="sng" algn="ctr">
+              <a:gradFill>
+                <a:gsLst>
+                  <a:gs pos="74000">
+                    <a:schemeClr val="accent3">
+                      <a:shade val="75000"/>
+                    </a:schemeClr>
+                  </a:gs>
+                  <a:gs pos="86000">
+                    <a:schemeClr val="tx1">
+                      <a:alpha val="29000"/>
+                    </a:schemeClr>
+                  </a:gs>
+                  <a:gs pos="16000">
+                    <a:schemeClr val="accent2">
+                      <a:shade val="75000"/>
+                      <a:alpha val="56000"/>
+                    </a:schemeClr>
+                  </a:gs>
+                </a:gsLst>
+                <a:lin ang="5400000" scaled="1"/>
+              </a:gradFill>
+              <a:prstDash val="solid"/>
+              <a:round/>
+              <a:headEnd type="none" w="med" len="med"/>
+              <a:tailEnd type="none" w="med" len="med"/>
+            </a:ln>
+            <a:effectLst/>
+          </p:spPr>
+          <p:txBody>
+            <a:bodyPr vert="horz" wrap="square" lIns="91440" tIns="45720" rIns="91440" bIns="45720" anchor="t" compatLnSpc="1"/>
+            <a:lstStyle/>
+            <a:p>
+              <a:endParaRPr kumimoji="0" lang="en-US"/>
+            </a:p>
+          </p:txBody>
+        </p:sp>
+        <p:sp>
+          <p:nvSpPr>
+            <p:cNvPr id="13" name="Freeform 12"/>
+            <p:cNvSpPr>
+              <a:spLocks/>
+            </p:cNvSpPr>
+            <p:nvPr/>
+          </p:nvSpPr>
+          <p:spPr bwMode="auto">
+            <a:xfrm rot="21435692">
+              <a:off x="-14309" y="290003"/>
+              <a:ext cx="9175812" cy="530352"/>
+            </a:xfrm>
+            <a:custGeom>
+              <a:avLst>
+                <a:gd name="A1" fmla="val 0"/>
+                <a:gd name="A2" fmla="val 0"/>
+                <a:gd name="A3" fmla="val 0"/>
+                <a:gd name="A4" fmla="val 0"/>
+                <a:gd name="A5" fmla="val 0"/>
+                <a:gd name="A6" fmla="val 0"/>
+                <a:gd name="A7" fmla="val 0"/>
+                <a:gd name="A8" fmla="val 0"/>
+              </a:avLst>
+              <a:gdLst/>
+              <a:ahLst/>
+              <a:cxnLst>
+                <a:cxn ang="0">
+                  <a:pos x="0" y="732"/>
+                </a:cxn>
+                <a:cxn ang="0">
+                  <a:pos x="1638" y="228"/>
+                </a:cxn>
+                <a:cxn ang="0">
+                  <a:pos x="4122" y="816"/>
+                </a:cxn>
+                <a:cxn ang="0">
+                  <a:pos x="5766" y="0"/>
+                </a:cxn>
+              </a:cxnLst>
+              <a:rect l="0" t="0" r="0" b="0"/>
+              <a:pathLst>
+                <a:path w="5766" h="854">
+                  <a:moveTo>
+                    <a:pt x="0" y="732"/>
+                  </a:moveTo>
+                  <a:cubicBezTo>
+                    <a:pt x="273" y="647"/>
+                    <a:pt x="951" y="214"/>
+                    <a:pt x="1638" y="228"/>
+                  </a:cubicBezTo>
+                  <a:cubicBezTo>
+                    <a:pt x="2325" y="242"/>
+                    <a:pt x="3434" y="854"/>
+                    <a:pt x="4122" y="816"/>
+                  </a:cubicBezTo>
+                  <a:cubicBezTo>
+                    <a:pt x="4810" y="778"/>
+                    <a:pt x="5424" y="170"/>
+                    <a:pt x="5766" y="0"/>
+                  </a:cubicBezTo>
+                </a:path>
+              </a:pathLst>
+            </a:custGeom>
+            <a:noFill/>
+            <a:ln w="9525" cap="flat" cmpd="sng" algn="ctr">
+              <a:gradFill>
+                <a:gsLst>
+                  <a:gs pos="74000">
+                    <a:schemeClr val="accent4"/>
+                  </a:gs>
+                  <a:gs pos="44000">
+                    <a:schemeClr val="accent1"/>
+                  </a:gs>
+                  <a:gs pos="33000">
+                    <a:schemeClr val="accent2">
+                      <a:alpha val="56000"/>
+                    </a:schemeClr>
+                  </a:gs>
+                </a:gsLst>
+                <a:lin ang="5400000" scaled="1"/>
+              </a:gradFill>
+              <a:prstDash val="solid"/>
+              <a:round/>
+              <a:headEnd type="none" w="med" len="med"/>
+              <a:tailEnd type="none" w="med" len="med"/>
+            </a:ln>
+            <a:effectLst/>
+          </p:spPr>
+          <p:txBody>
+            <a:bodyPr vert="horz" wrap="square" lIns="91440" tIns="45720" rIns="91440" bIns="45720" anchor="t" compatLnSpc="1"/>
+            <a:lstStyle/>
+            <a:p>
+              <a:endParaRPr kumimoji="0" lang="en-US"/>
+            </a:p>
+          </p:txBody>
+        </p:sp>
+      </p:grpSp>
     </p:spTree>
   </p:cSld>
   <p:clrMap bg1="lt1" tx1="dk1" bg2="lt2" tx2="dk2" accent1="accent1" accent2="accent2" accent3="accent3" accent4="accent4" accent5="accent5" accent6="accent6" hlink="hlink" folHlink="folHlink"/>
   <p:sldLayoutIdLst>
-    <p:sldLayoutId id="2147483649" r:id="rId1"/>
-    <p:sldLayoutId id="2147483650" r:id="rId2"/>
-    <p:sldLayoutId id="2147483651" r:id="rId3"/>
-    <p:sldLayoutId id="2147483652" r:id="rId4"/>
-    <p:sldLayoutId id="2147483653" r:id="rId5"/>
-    <p:sldLayoutId id="2147483654" r:id="rId6"/>
-    <p:sldLayoutId id="2147483655" r:id="rId7"/>
-    <p:sldLayoutId id="2147483656" r:id="rId8"/>
-    <p:sldLayoutId id="2147483657" r:id="rId9"/>
-    <p:sldLayoutId id="2147483658" r:id="rId10"/>
-    <p:sldLayoutId id="2147483659" r:id="rId11"/>
+    <p:sldLayoutId id="2147483757" r:id="rId1"/>
+    <p:sldLayoutId id="2147483758" r:id="rId2"/>
+    <p:sldLayoutId id="2147483759" r:id="rId3"/>
+    <p:sldLayoutId id="2147483760" r:id="rId4"/>
+    <p:sldLayoutId id="2147483761" r:id="rId5"/>
+    <p:sldLayoutId id="2147483762" r:id="rId6"/>
+    <p:sldLayoutId id="2147483763" r:id="rId7"/>
+    <p:sldLayoutId id="2147483764" r:id="rId8"/>
+    <p:sldLayoutId id="2147483765" r:id="rId9"/>
+    <p:sldLayoutId id="2147483766" r:id="rId10"/>
+    <p:sldLayoutId id="2147483767" r:id="rId11"/>
   </p:sldLayoutIdLst>
   <p:txStyles>
     <p:titleStyle>
-      <a:lvl1pPr algn="ctr" defTabSz="914400" rtl="0" eaLnBrk="1" latinLnBrk="0" hangingPunct="1">
+      <a:lvl1pPr algn="l" rtl="0" eaLnBrk="1" latinLnBrk="0" hangingPunct="1">
         <a:spcBef>
           <a:spcPct val="0"/>
         </a:spcBef>
         <a:buNone/>
-        <a:defRPr sz="4400" kern="1200">
+        <a:defRPr kumimoji="0" sz="5000" b="0" kern="1200">
+          <a:ln>
+            <a:noFill/>
+          </a:ln>
           <a:solidFill>
-            <a:schemeClr val="tx1"/>
+            <a:schemeClr val="tx2"/>
           </a:solidFill>
+          <a:effectLst/>
           <a:latin typeface="+mj-lt"/>
           <a:ea typeface="+mj-ea"/>
           <a:cs typeface="+mj-cs"/>
@@ -2780,13 +3566,17 @@
       </a:lvl1pPr>
     </p:titleStyle>
     <p:bodyStyle>
-      <a:lvl1pPr marL="342900" indent="-342900" algn="l" defTabSz="914400" rtl="0" eaLnBrk="1" latinLnBrk="0" hangingPunct="1">
+      <a:lvl1pPr marL="274320" indent="-274320" algn="l" rtl="0" eaLnBrk="1" latinLnBrk="0" hangingPunct="1">
         <a:spcBef>
           <a:spcPct val="20000"/>
         </a:spcBef>
-        <a:buFont typeface="Arial" pitchFamily="34" charset="0"/>
-        <a:buChar char="•"/>
-        <a:defRPr sz="3200" kern="1200">
+        <a:buClr>
+          <a:schemeClr val="accent3"/>
+        </a:buClr>
+        <a:buSzPct val="95000"/>
+        <a:buFont typeface="Wingdings 2"/>
+        <a:buChar char=""/>
+        <a:defRPr kumimoji="0" sz="2600" kern="1200">
           <a:solidFill>
             <a:schemeClr val="tx1"/>
           </a:solidFill>
@@ -2795,13 +3585,17 @@
           <a:cs typeface="+mn-cs"/>
         </a:defRPr>
       </a:lvl1pPr>
-      <a:lvl2pPr marL="742950" indent="-285750" algn="l" defTabSz="914400" rtl="0" eaLnBrk="1" latinLnBrk="0" hangingPunct="1">
+      <a:lvl2pPr marL="640080" indent="-246888" algn="l" rtl="0" eaLnBrk="1" latinLnBrk="0" hangingPunct="1">
         <a:spcBef>
           <a:spcPct val="20000"/>
         </a:spcBef>
-        <a:buFont typeface="Arial" pitchFamily="34" charset="0"/>
-        <a:buChar char="–"/>
-        <a:defRPr sz="2800" kern="1200">
+        <a:buClr>
+          <a:schemeClr val="accent1"/>
+        </a:buClr>
+        <a:buSzPct val="85000"/>
+        <a:buFont typeface="Wingdings 2"/>
+        <a:buChar char=""/>
+        <a:defRPr kumimoji="0" sz="2400" kern="1200">
           <a:solidFill>
             <a:schemeClr val="tx1"/>
           </a:solidFill>
@@ -2810,13 +3604,17 @@
           <a:cs typeface="+mn-cs"/>
         </a:defRPr>
       </a:lvl2pPr>
-      <a:lvl3pPr marL="1143000" indent="-228600" algn="l" defTabSz="914400" rtl="0" eaLnBrk="1" latinLnBrk="0" hangingPunct="1">
+      <a:lvl3pPr marL="914400" indent="-246888" algn="l" rtl="0" eaLnBrk="1" latinLnBrk="0" hangingPunct="1">
         <a:spcBef>
           <a:spcPct val="20000"/>
         </a:spcBef>
-        <a:buFont typeface="Arial" pitchFamily="34" charset="0"/>
-        <a:buChar char="•"/>
-        <a:defRPr sz="2400" kern="1200">
+        <a:buClr>
+          <a:schemeClr val="accent2"/>
+        </a:buClr>
+        <a:buSzPct val="70000"/>
+        <a:buFont typeface="Wingdings 2"/>
+        <a:buChar char=""/>
+        <a:defRPr kumimoji="0" sz="2100" kern="1200">
           <a:solidFill>
             <a:schemeClr val="tx1"/>
           </a:solidFill>
@@ -2825,13 +3623,17 @@
           <a:cs typeface="+mn-cs"/>
         </a:defRPr>
       </a:lvl3pPr>
-      <a:lvl4pPr marL="1600200" indent="-228600" algn="l" defTabSz="914400" rtl="0" eaLnBrk="1" latinLnBrk="0" hangingPunct="1">
+      <a:lvl4pPr marL="1188720" indent="-210312" algn="l" rtl="0" eaLnBrk="1" latinLnBrk="0" hangingPunct="1">
         <a:spcBef>
           <a:spcPct val="20000"/>
         </a:spcBef>
-        <a:buFont typeface="Arial" pitchFamily="34" charset="0"/>
-        <a:buChar char="–"/>
-        <a:defRPr sz="2000" kern="1200">
+        <a:buClr>
+          <a:schemeClr val="accent3"/>
+        </a:buClr>
+        <a:buSzPct val="65000"/>
+        <a:buFont typeface="Wingdings 2"/>
+        <a:buChar char=""/>
+        <a:defRPr kumimoji="0" sz="2000" kern="1200">
           <a:solidFill>
             <a:schemeClr val="tx1"/>
           </a:solidFill>
@@ -2840,13 +3642,17 @@
           <a:cs typeface="+mn-cs"/>
         </a:defRPr>
       </a:lvl4pPr>
-      <a:lvl5pPr marL="2057400" indent="-228600" algn="l" defTabSz="914400" rtl="0" eaLnBrk="1" latinLnBrk="0" hangingPunct="1">
+      <a:lvl5pPr marL="1463040" indent="-210312" algn="l" rtl="0" eaLnBrk="1" latinLnBrk="0" hangingPunct="1">
         <a:spcBef>
           <a:spcPct val="20000"/>
         </a:spcBef>
-        <a:buFont typeface="Arial" pitchFamily="34" charset="0"/>
-        <a:buChar char="»"/>
-        <a:defRPr sz="2000" kern="1200">
+        <a:buClr>
+          <a:schemeClr val="accent4"/>
+        </a:buClr>
+        <a:buSzPct val="65000"/>
+        <a:buFont typeface="Wingdings 2"/>
+        <a:buChar char=""/>
+        <a:defRPr kumimoji="0" sz="2000" kern="1200">
           <a:solidFill>
             <a:schemeClr val="tx1"/>
           </a:solidFill>
@@ -2855,13 +3661,17 @@
           <a:cs typeface="+mn-cs"/>
         </a:defRPr>
       </a:lvl5pPr>
-      <a:lvl6pPr marL="2514600" indent="-228600" algn="l" defTabSz="914400" rtl="0" eaLnBrk="1" latinLnBrk="0" hangingPunct="1">
+      <a:lvl6pPr marL="1737360" indent="-210312" algn="l" rtl="0" eaLnBrk="1" latinLnBrk="0" hangingPunct="1">
         <a:spcBef>
           <a:spcPct val="20000"/>
         </a:spcBef>
-        <a:buFont typeface="Arial" pitchFamily="34" charset="0"/>
-        <a:buChar char="•"/>
-        <a:defRPr sz="2000" kern="1200">
+        <a:buClr>
+          <a:schemeClr val="accent5"/>
+        </a:buClr>
+        <a:buSzPct val="80000"/>
+        <a:buFont typeface="Wingdings 2"/>
+        <a:buChar char=""/>
+        <a:defRPr kumimoji="0" sz="1800" kern="1200">
           <a:solidFill>
             <a:schemeClr val="tx1"/>
           </a:solidFill>
@@ -2870,13 +3680,17 @@
           <a:cs typeface="+mn-cs"/>
         </a:defRPr>
       </a:lvl6pPr>
-      <a:lvl7pPr marL="2971800" indent="-228600" algn="l" defTabSz="914400" rtl="0" eaLnBrk="1" latinLnBrk="0" hangingPunct="1">
+      <a:lvl7pPr marL="1920240" indent="-182880" algn="l" rtl="0" eaLnBrk="1" latinLnBrk="0" hangingPunct="1">
         <a:spcBef>
           <a:spcPct val="20000"/>
         </a:spcBef>
-        <a:buFont typeface="Arial" pitchFamily="34" charset="0"/>
-        <a:buChar char="•"/>
-        <a:defRPr sz="2000" kern="1200">
+        <a:buClr>
+          <a:schemeClr val="accent6"/>
+        </a:buClr>
+        <a:buSzPct val="80000"/>
+        <a:buFont typeface="Wingdings 2"/>
+        <a:buChar char=""/>
+        <a:defRPr kumimoji="0" sz="1600" kern="1200" baseline="0">
           <a:solidFill>
             <a:schemeClr val="tx1"/>
           </a:solidFill>
@@ -2885,13 +3699,15 @@
           <a:cs typeface="+mn-cs"/>
         </a:defRPr>
       </a:lvl7pPr>
-      <a:lvl8pPr marL="3429000" indent="-228600" algn="l" defTabSz="914400" rtl="0" eaLnBrk="1" latinLnBrk="0" hangingPunct="1">
+      <a:lvl8pPr marL="2194560" indent="-182880" algn="l" rtl="0" eaLnBrk="1" latinLnBrk="0" hangingPunct="1">
         <a:spcBef>
           <a:spcPct val="20000"/>
         </a:spcBef>
-        <a:buFont typeface="Arial" pitchFamily="34" charset="0"/>
+        <a:buClr>
+          <a:schemeClr val="tx2"/>
+        </a:buClr>
         <a:buChar char="•"/>
-        <a:defRPr sz="2000" kern="1200">
+        <a:defRPr kumimoji="0" sz="1600" kern="1200">
           <a:solidFill>
             <a:schemeClr val="tx1"/>
           </a:solidFill>
@@ -2900,13 +3716,16 @@
           <a:cs typeface="+mn-cs"/>
         </a:defRPr>
       </a:lvl8pPr>
-      <a:lvl9pPr marL="3886200" indent="-228600" algn="l" defTabSz="914400" rtl="0" eaLnBrk="1" latinLnBrk="0" hangingPunct="1">
+      <a:lvl9pPr marL="2468880" indent="-182880" algn="l" rtl="0" eaLnBrk="1" latinLnBrk="0" hangingPunct="1">
         <a:spcBef>
           <a:spcPct val="20000"/>
         </a:spcBef>
-        <a:buFont typeface="Arial" pitchFamily="34" charset="0"/>
+        <a:buClr>
+          <a:schemeClr val="tx2"/>
+        </a:buClr>
+        <a:buFontTx/>
         <a:buChar char="•"/>
-        <a:defRPr sz="2000" kern="1200">
+        <a:defRPr kumimoji="0" sz="1400" kern="1200" baseline="0">
           <a:solidFill>
             <a:schemeClr val="tx1"/>
           </a:solidFill>
@@ -2917,11 +3736,8 @@
       </a:lvl9pPr>
     </p:bodyStyle>
     <p:otherStyle>
-      <a:defPPr>
-        <a:defRPr lang="ru-RU"/>
-      </a:defPPr>
-      <a:lvl1pPr marL="0" algn="l" defTabSz="914400" rtl="0" eaLnBrk="1" latinLnBrk="0" hangingPunct="1">
-        <a:defRPr sz="1800" kern="1200">
+      <a:lvl1pPr marL="0" algn="l" rtl="0" eaLnBrk="1" latinLnBrk="0" hangingPunct="1">
+        <a:defRPr kumimoji="0" kern="1200">
           <a:solidFill>
             <a:schemeClr val="tx1"/>
           </a:solidFill>
@@ -2930,8 +3746,8 @@
           <a:cs typeface="+mn-cs"/>
         </a:defRPr>
       </a:lvl1pPr>
-      <a:lvl2pPr marL="457200" algn="l" defTabSz="914400" rtl="0" eaLnBrk="1" latinLnBrk="0" hangingPunct="1">
-        <a:defRPr sz="1800" kern="1200">
+      <a:lvl2pPr marL="457200" algn="l" rtl="0" eaLnBrk="1" latinLnBrk="0" hangingPunct="1">
+        <a:defRPr kumimoji="0" kern="1200">
           <a:solidFill>
             <a:schemeClr val="tx1"/>
           </a:solidFill>
@@ -2940,8 +3756,8 @@
           <a:cs typeface="+mn-cs"/>
         </a:defRPr>
       </a:lvl2pPr>
-      <a:lvl3pPr marL="914400" algn="l" defTabSz="914400" rtl="0" eaLnBrk="1" latinLnBrk="0" hangingPunct="1">
-        <a:defRPr sz="1800" kern="1200">
+      <a:lvl3pPr marL="914400" algn="l" rtl="0" eaLnBrk="1" latinLnBrk="0" hangingPunct="1">
+        <a:defRPr kumimoji="0" kern="1200">
           <a:solidFill>
             <a:schemeClr val="tx1"/>
           </a:solidFill>
@@ -2950,8 +3766,8 @@
           <a:cs typeface="+mn-cs"/>
         </a:defRPr>
       </a:lvl3pPr>
-      <a:lvl4pPr marL="1371600" algn="l" defTabSz="914400" rtl="0" eaLnBrk="1" latinLnBrk="0" hangingPunct="1">
-        <a:defRPr sz="1800" kern="1200">
+      <a:lvl4pPr marL="1371600" algn="l" rtl="0" eaLnBrk="1" latinLnBrk="0" hangingPunct="1">
+        <a:defRPr kumimoji="0" kern="1200">
           <a:solidFill>
             <a:schemeClr val="tx1"/>
           </a:solidFill>
@@ -2960,8 +3776,8 @@
           <a:cs typeface="+mn-cs"/>
         </a:defRPr>
       </a:lvl4pPr>
-      <a:lvl5pPr marL="1828800" algn="l" defTabSz="914400" rtl="0" eaLnBrk="1" latinLnBrk="0" hangingPunct="1">
-        <a:defRPr sz="1800" kern="1200">
+      <a:lvl5pPr marL="1828800" algn="l" rtl="0" eaLnBrk="1" latinLnBrk="0" hangingPunct="1">
+        <a:defRPr kumimoji="0" kern="1200">
           <a:solidFill>
             <a:schemeClr val="tx1"/>
           </a:solidFill>
@@ -2970,8 +3786,8 @@
           <a:cs typeface="+mn-cs"/>
         </a:defRPr>
       </a:lvl5pPr>
-      <a:lvl6pPr marL="2286000" algn="l" defTabSz="914400" rtl="0" eaLnBrk="1" latinLnBrk="0" hangingPunct="1">
-        <a:defRPr sz="1800" kern="1200">
+      <a:lvl6pPr marL="2286000" algn="l" rtl="0" eaLnBrk="1" latinLnBrk="0" hangingPunct="1">
+        <a:defRPr kumimoji="0" kern="1200">
           <a:solidFill>
             <a:schemeClr val="tx1"/>
           </a:solidFill>
@@ -2980,8 +3796,8 @@
           <a:cs typeface="+mn-cs"/>
         </a:defRPr>
       </a:lvl6pPr>
-      <a:lvl7pPr marL="2743200" algn="l" defTabSz="914400" rtl="0" eaLnBrk="1" latinLnBrk="0" hangingPunct="1">
-        <a:defRPr sz="1800" kern="1200">
+      <a:lvl7pPr marL="2743200" algn="l" rtl="0" eaLnBrk="1" latinLnBrk="0" hangingPunct="1">
+        <a:defRPr kumimoji="0" kern="1200">
           <a:solidFill>
             <a:schemeClr val="tx1"/>
           </a:solidFill>
@@ -2990,8 +3806,8 @@
           <a:cs typeface="+mn-cs"/>
         </a:defRPr>
       </a:lvl7pPr>
-      <a:lvl8pPr marL="3200400" algn="l" defTabSz="914400" rtl="0" eaLnBrk="1" latinLnBrk="0" hangingPunct="1">
-        <a:defRPr sz="1800" kern="1200">
+      <a:lvl8pPr marL="3200400" algn="l" rtl="0" eaLnBrk="1" latinLnBrk="0" hangingPunct="1">
+        <a:defRPr kumimoji="0" kern="1200">
           <a:solidFill>
             <a:schemeClr val="tx1"/>
           </a:solidFill>
@@ -3000,8 +3816,8 @@
           <a:cs typeface="+mn-cs"/>
         </a:defRPr>
       </a:lvl8pPr>
-      <a:lvl9pPr marL="3657600" algn="l" defTabSz="914400" rtl="0" eaLnBrk="1" latinLnBrk="0" hangingPunct="1">
-        <a:defRPr sz="1800" kern="1200">
+      <a:lvl9pPr marL="3657600" algn="l" rtl="0" eaLnBrk="1" latinLnBrk="0" hangingPunct="1">
+        <a:defRPr kumimoji="0" kern="1200">
           <a:solidFill>
             <a:schemeClr val="tx1"/>
           </a:solidFill>
@@ -3015,10 +3831,749 @@
 </p:sldMaster>
 </file>
 
+<file path=ppt/slides/slide1.xml><?xml version="1.0" encoding="utf-8"?>
+<p:sld xmlns:a="http://schemas.openxmlformats.org/drawingml/2006/main" xmlns:r="http://schemas.openxmlformats.org/officeDocument/2006/relationships" xmlns:p="http://schemas.openxmlformats.org/presentationml/2006/main">
+  <p:cSld>
+    <p:spTree>
+      <p:nvGrpSpPr>
+        <p:cNvPr id="1" name=""/>
+        <p:cNvGrpSpPr/>
+        <p:nvPr/>
+      </p:nvGrpSpPr>
+      <p:grpSpPr>
+        <a:xfrm>
+          <a:off x="0" y="0"/>
+          <a:ext cx="0" cy="0"/>
+          <a:chOff x="0" y="0"/>
+          <a:chExt cx="0" cy="0"/>
+        </a:xfrm>
+      </p:grpSpPr>
+      <p:sp>
+        <p:nvSpPr>
+          <p:cNvPr id="2" name="Заголовок 1"/>
+          <p:cNvSpPr>
+            <a:spLocks noGrp="1"/>
+          </p:cNvSpPr>
+          <p:nvPr>
+            <p:ph type="ctrTitle"/>
+          </p:nvPr>
+        </p:nvSpPr>
+        <p:spPr>
+          <a:xfrm>
+            <a:off x="1080121" y="1988840"/>
+            <a:ext cx="8052046" cy="864096"/>
+          </a:xfrm>
+        </p:spPr>
+        <p:txBody>
+          <a:bodyPr/>
+          <a:lstStyle/>
+          <a:p>
+            <a:pPr marL="6350" indent="0" algn="ctr">
+              <a:buNone/>
+              <a:tabLst>
+                <a:tab pos="0" algn="l"/>
+              </a:tabLst>
+            </a:pPr>
+            <a:r>
+              <a:rPr lang="uk-UA" sz="4000" dirty="0" smtClean="0"/>
+              <a:t>ДИПЛОМНИЙ ПРОЕКТ</a:t>
+            </a:r>
+            <a:endParaRPr lang="ru-RU" sz="4000" dirty="0"/>
+          </a:p>
+        </p:txBody>
+      </p:sp>
+      <p:sp>
+        <p:nvSpPr>
+          <p:cNvPr id="3" name="Подзаголовок 2"/>
+          <p:cNvSpPr>
+            <a:spLocks noGrp="1"/>
+          </p:cNvSpPr>
+          <p:nvPr>
+            <p:ph type="subTitle" idx="1"/>
+          </p:nvPr>
+        </p:nvSpPr>
+        <p:spPr>
+          <a:xfrm>
+            <a:off x="1077550" y="3501008"/>
+            <a:ext cx="8063879" cy="882119"/>
+          </a:xfrm>
+        </p:spPr>
+        <p:txBody>
+          <a:bodyPr>
+            <a:normAutofit lnSpcReduction="10000"/>
+          </a:bodyPr>
+          <a:lstStyle/>
+          <a:p>
+            <a:pPr algn="ctr"/>
+            <a:r>
+              <a:rPr lang="uk-UA" dirty="0" smtClean="0"/>
+              <a:t>«Електронне меню для закладів громадського харчування»</a:t>
+            </a:r>
+            <a:endParaRPr lang="ru-RU" dirty="0"/>
+          </a:p>
+        </p:txBody>
+      </p:sp>
+      <p:sp>
+        <p:nvSpPr>
+          <p:cNvPr id="4" name="TextBox 3"/>
+          <p:cNvSpPr txBox="1"/>
+          <p:nvPr/>
+        </p:nvSpPr>
+        <p:spPr>
+          <a:xfrm>
+            <a:off x="1080121" y="0"/>
+            <a:ext cx="8100391" cy="1700808"/>
+          </a:xfrm>
+          <a:prstGeom prst="rect">
+            <a:avLst/>
+          </a:prstGeom>
+        </p:spPr>
+        <p:txBody>
+          <a:bodyPr vert="horz" lIns="91440" tIns="45720" rIns="91440" bIns="45720" rtlCol="0">
+            <a:normAutofit lnSpcReduction="10000"/>
+          </a:bodyPr>
+          <a:lstStyle>
+            <a:lvl1pPr indent="0" algn="ctr">
+              <a:spcBef>
+                <a:spcPct val="20000"/>
+              </a:spcBef>
+              <a:spcAft>
+                <a:spcPts val="300"/>
+              </a:spcAft>
+              <a:buClr>
+                <a:schemeClr val="accent6">
+                  <a:lumMod val="75000"/>
+                </a:schemeClr>
+              </a:buClr>
+              <a:buSzPct val="130000"/>
+              <a:buFont typeface="Georgia" pitchFamily="18" charset="0"/>
+              <a:buNone/>
+              <a:defRPr sz="2200">
+                <a:solidFill>
+                  <a:schemeClr val="tx2"/>
+                </a:solidFill>
+              </a:defRPr>
+            </a:lvl1pPr>
+            <a:lvl2pPr indent="0" algn="ctr">
+              <a:spcBef>
+                <a:spcPct val="20000"/>
+              </a:spcBef>
+              <a:spcAft>
+                <a:spcPts val="300"/>
+              </a:spcAft>
+              <a:buClr>
+                <a:schemeClr val="accent6">
+                  <a:lumMod val="75000"/>
+                </a:schemeClr>
+              </a:buClr>
+              <a:buSzPct val="130000"/>
+              <a:buFont typeface="Georgia" pitchFamily="18" charset="0"/>
+              <a:buNone/>
+              <a:defRPr sz="2000">
+                <a:solidFill>
+                  <a:schemeClr val="tx1">
+                    <a:tint val="75000"/>
+                  </a:schemeClr>
+                </a:solidFill>
+              </a:defRPr>
+            </a:lvl2pPr>
+            <a:lvl3pPr indent="0" algn="ctr">
+              <a:spcBef>
+                <a:spcPct val="20000"/>
+              </a:spcBef>
+              <a:spcAft>
+                <a:spcPts val="300"/>
+              </a:spcAft>
+              <a:buClr>
+                <a:schemeClr val="accent6">
+                  <a:lumMod val="75000"/>
+                </a:schemeClr>
+              </a:buClr>
+              <a:buSzPct val="130000"/>
+              <a:buFont typeface="Georgia" pitchFamily="18" charset="0"/>
+              <a:buNone/>
+              <a:defRPr>
+                <a:solidFill>
+                  <a:schemeClr val="tx1">
+                    <a:tint val="75000"/>
+                  </a:schemeClr>
+                </a:solidFill>
+              </a:defRPr>
+            </a:lvl3pPr>
+            <a:lvl4pPr indent="0" algn="ctr">
+              <a:spcBef>
+                <a:spcPct val="20000"/>
+              </a:spcBef>
+              <a:spcAft>
+                <a:spcPts val="300"/>
+              </a:spcAft>
+              <a:buClr>
+                <a:schemeClr val="accent6">
+                  <a:lumMod val="75000"/>
+                </a:schemeClr>
+              </a:buClr>
+              <a:buSzPct val="130000"/>
+              <a:buFont typeface="Georgia" pitchFamily="18" charset="0"/>
+              <a:buNone/>
+              <a:defRPr sz="1600">
+                <a:solidFill>
+                  <a:schemeClr val="tx1">
+                    <a:tint val="75000"/>
+                  </a:schemeClr>
+                </a:solidFill>
+              </a:defRPr>
+            </a:lvl4pPr>
+            <a:lvl5pPr indent="0" algn="ctr">
+              <a:spcBef>
+                <a:spcPct val="20000"/>
+              </a:spcBef>
+              <a:spcAft>
+                <a:spcPts val="300"/>
+              </a:spcAft>
+              <a:buClr>
+                <a:schemeClr val="accent6">
+                  <a:lumMod val="75000"/>
+                </a:schemeClr>
+              </a:buClr>
+              <a:buSzPct val="130000"/>
+              <a:buFont typeface="Georgia" pitchFamily="18" charset="0"/>
+              <a:buNone/>
+              <a:defRPr sz="1400">
+                <a:solidFill>
+                  <a:schemeClr val="tx1">
+                    <a:tint val="75000"/>
+                  </a:schemeClr>
+                </a:solidFill>
+              </a:defRPr>
+            </a:lvl5pPr>
+            <a:lvl6pPr indent="0" algn="ctr">
+              <a:spcBef>
+                <a:spcPct val="20000"/>
+              </a:spcBef>
+              <a:spcAft>
+                <a:spcPts val="300"/>
+              </a:spcAft>
+              <a:buClr>
+                <a:schemeClr val="accent6">
+                  <a:lumMod val="75000"/>
+                </a:schemeClr>
+              </a:buClr>
+              <a:buSzPct val="130000"/>
+              <a:buFont typeface="Georgia" pitchFamily="18" charset="0"/>
+              <a:buNone/>
+              <a:defRPr sz="1400">
+                <a:solidFill>
+                  <a:schemeClr val="tx1">
+                    <a:tint val="75000"/>
+                  </a:schemeClr>
+                </a:solidFill>
+              </a:defRPr>
+            </a:lvl6pPr>
+            <a:lvl7pPr indent="0" algn="ctr">
+              <a:spcBef>
+                <a:spcPct val="20000"/>
+              </a:spcBef>
+              <a:spcAft>
+                <a:spcPts val="300"/>
+              </a:spcAft>
+              <a:buClr>
+                <a:schemeClr val="accent6">
+                  <a:lumMod val="75000"/>
+                </a:schemeClr>
+              </a:buClr>
+              <a:buSzPct val="130000"/>
+              <a:buFont typeface="Georgia" pitchFamily="18" charset="0"/>
+              <a:buNone/>
+              <a:defRPr sz="1400">
+                <a:solidFill>
+                  <a:schemeClr val="tx1">
+                    <a:tint val="75000"/>
+                  </a:schemeClr>
+                </a:solidFill>
+              </a:defRPr>
+            </a:lvl7pPr>
+            <a:lvl8pPr indent="0" algn="ctr">
+              <a:spcBef>
+                <a:spcPct val="20000"/>
+              </a:spcBef>
+              <a:spcAft>
+                <a:spcPts val="300"/>
+              </a:spcAft>
+              <a:buClr>
+                <a:schemeClr val="accent6">
+                  <a:lumMod val="75000"/>
+                </a:schemeClr>
+              </a:buClr>
+              <a:buSzPct val="130000"/>
+              <a:buFont typeface="Georgia" pitchFamily="18" charset="0"/>
+              <a:buNone/>
+              <a:defRPr sz="1400">
+                <a:solidFill>
+                  <a:schemeClr val="tx1">
+                    <a:tint val="75000"/>
+                  </a:schemeClr>
+                </a:solidFill>
+              </a:defRPr>
+            </a:lvl8pPr>
+            <a:lvl9pPr indent="0" algn="ctr">
+              <a:spcBef>
+                <a:spcPct val="20000"/>
+              </a:spcBef>
+              <a:spcAft>
+                <a:spcPts val="300"/>
+              </a:spcAft>
+              <a:buClr>
+                <a:schemeClr val="accent6">
+                  <a:lumMod val="75000"/>
+                </a:schemeClr>
+              </a:buClr>
+              <a:buSzPct val="130000"/>
+              <a:buFont typeface="Georgia" pitchFamily="18" charset="0"/>
+              <a:buNone/>
+              <a:defRPr sz="1400">
+                <a:solidFill>
+                  <a:schemeClr val="tx1">
+                    <a:tint val="75000"/>
+                  </a:schemeClr>
+                </a:solidFill>
+              </a:defRPr>
+            </a:lvl9pPr>
+          </a:lstStyle>
+          <a:p>
+            <a:r>
+              <a:rPr lang="uk-UA" dirty="0"/>
+              <a:t>Державний вищий навчальний заклад</a:t>
+            </a:r>
+          </a:p>
+          <a:p>
+            <a:pPr>
+              <a:spcBef>
+                <a:spcPts val="0"/>
+              </a:spcBef>
+            </a:pPr>
+            <a:r>
+              <a:rPr lang="uk-UA" dirty="0"/>
+              <a:t>«Чернівецький політехнічний коледж»</a:t>
+            </a:r>
+          </a:p>
+          <a:p>
+            <a:endParaRPr lang="uk-UA" dirty="0"/>
+          </a:p>
+          <a:p>
+            <a:r>
+              <a:rPr lang="uk-UA" dirty="0"/>
+              <a:t>Циклова комісія інженерії програмного забезпечення</a:t>
+            </a:r>
+          </a:p>
+          <a:p>
+            <a:endParaRPr lang="ru-RU" dirty="0"/>
+          </a:p>
+        </p:txBody>
+      </p:sp>
+      <p:sp>
+        <p:nvSpPr>
+          <p:cNvPr id="5" name="TextBox 4"/>
+          <p:cNvSpPr txBox="1"/>
+          <p:nvPr/>
+        </p:nvSpPr>
+        <p:spPr>
+          <a:xfrm>
+            <a:off x="5724128" y="5517232"/>
+            <a:ext cx="3441794" cy="1340768"/>
+          </a:xfrm>
+          <a:prstGeom prst="rect">
+            <a:avLst/>
+          </a:prstGeom>
+        </p:spPr>
+        <p:txBody>
+          <a:bodyPr vert="horz" lIns="91440" tIns="45720" rIns="91440" bIns="45720" rtlCol="0">
+            <a:normAutofit lnSpcReduction="10000"/>
+          </a:bodyPr>
+          <a:lstStyle>
+            <a:lvl1pPr indent="0" algn="ctr">
+              <a:spcBef>
+                <a:spcPct val="20000"/>
+              </a:spcBef>
+              <a:spcAft>
+                <a:spcPts val="300"/>
+              </a:spcAft>
+              <a:buClr>
+                <a:schemeClr val="accent6">
+                  <a:lumMod val="75000"/>
+                </a:schemeClr>
+              </a:buClr>
+              <a:buSzPct val="130000"/>
+              <a:buFont typeface="Georgia" pitchFamily="18" charset="0"/>
+              <a:buNone/>
+              <a:defRPr sz="2200">
+                <a:solidFill>
+                  <a:schemeClr val="tx2"/>
+                </a:solidFill>
+              </a:defRPr>
+            </a:lvl1pPr>
+            <a:lvl2pPr indent="0" algn="ctr">
+              <a:spcBef>
+                <a:spcPct val="20000"/>
+              </a:spcBef>
+              <a:spcAft>
+                <a:spcPts val="300"/>
+              </a:spcAft>
+              <a:buClr>
+                <a:schemeClr val="accent6">
+                  <a:lumMod val="75000"/>
+                </a:schemeClr>
+              </a:buClr>
+              <a:buSzPct val="130000"/>
+              <a:buFont typeface="Georgia" pitchFamily="18" charset="0"/>
+              <a:buNone/>
+              <a:defRPr sz="2000">
+                <a:solidFill>
+                  <a:schemeClr val="tx1">
+                    <a:tint val="75000"/>
+                  </a:schemeClr>
+                </a:solidFill>
+              </a:defRPr>
+            </a:lvl2pPr>
+            <a:lvl3pPr indent="0" algn="ctr">
+              <a:spcBef>
+                <a:spcPct val="20000"/>
+              </a:spcBef>
+              <a:spcAft>
+                <a:spcPts val="300"/>
+              </a:spcAft>
+              <a:buClr>
+                <a:schemeClr val="accent6">
+                  <a:lumMod val="75000"/>
+                </a:schemeClr>
+              </a:buClr>
+              <a:buSzPct val="130000"/>
+              <a:buFont typeface="Georgia" pitchFamily="18" charset="0"/>
+              <a:buNone/>
+              <a:defRPr>
+                <a:solidFill>
+                  <a:schemeClr val="tx1">
+                    <a:tint val="75000"/>
+                  </a:schemeClr>
+                </a:solidFill>
+              </a:defRPr>
+            </a:lvl3pPr>
+            <a:lvl4pPr indent="0" algn="ctr">
+              <a:spcBef>
+                <a:spcPct val="20000"/>
+              </a:spcBef>
+              <a:spcAft>
+                <a:spcPts val="300"/>
+              </a:spcAft>
+              <a:buClr>
+                <a:schemeClr val="accent6">
+                  <a:lumMod val="75000"/>
+                </a:schemeClr>
+              </a:buClr>
+              <a:buSzPct val="130000"/>
+              <a:buFont typeface="Georgia" pitchFamily="18" charset="0"/>
+              <a:buNone/>
+              <a:defRPr sz="1600">
+                <a:solidFill>
+                  <a:schemeClr val="tx1">
+                    <a:tint val="75000"/>
+                  </a:schemeClr>
+                </a:solidFill>
+              </a:defRPr>
+            </a:lvl4pPr>
+            <a:lvl5pPr indent="0" algn="ctr">
+              <a:spcBef>
+                <a:spcPct val="20000"/>
+              </a:spcBef>
+              <a:spcAft>
+                <a:spcPts val="300"/>
+              </a:spcAft>
+              <a:buClr>
+                <a:schemeClr val="accent6">
+                  <a:lumMod val="75000"/>
+                </a:schemeClr>
+              </a:buClr>
+              <a:buSzPct val="130000"/>
+              <a:buFont typeface="Georgia" pitchFamily="18" charset="0"/>
+              <a:buNone/>
+              <a:defRPr sz="1400">
+                <a:solidFill>
+                  <a:schemeClr val="tx1">
+                    <a:tint val="75000"/>
+                  </a:schemeClr>
+                </a:solidFill>
+              </a:defRPr>
+            </a:lvl5pPr>
+            <a:lvl6pPr indent="0" algn="ctr">
+              <a:spcBef>
+                <a:spcPct val="20000"/>
+              </a:spcBef>
+              <a:spcAft>
+                <a:spcPts val="300"/>
+              </a:spcAft>
+              <a:buClr>
+                <a:schemeClr val="accent6">
+                  <a:lumMod val="75000"/>
+                </a:schemeClr>
+              </a:buClr>
+              <a:buSzPct val="130000"/>
+              <a:buFont typeface="Georgia" pitchFamily="18" charset="0"/>
+              <a:buNone/>
+              <a:defRPr sz="1400">
+                <a:solidFill>
+                  <a:schemeClr val="tx1">
+                    <a:tint val="75000"/>
+                  </a:schemeClr>
+                </a:solidFill>
+              </a:defRPr>
+            </a:lvl6pPr>
+            <a:lvl7pPr indent="0" algn="ctr">
+              <a:spcBef>
+                <a:spcPct val="20000"/>
+              </a:spcBef>
+              <a:spcAft>
+                <a:spcPts val="300"/>
+              </a:spcAft>
+              <a:buClr>
+                <a:schemeClr val="accent6">
+                  <a:lumMod val="75000"/>
+                </a:schemeClr>
+              </a:buClr>
+              <a:buSzPct val="130000"/>
+              <a:buFont typeface="Georgia" pitchFamily="18" charset="0"/>
+              <a:buNone/>
+              <a:defRPr sz="1400">
+                <a:solidFill>
+                  <a:schemeClr val="tx1">
+                    <a:tint val="75000"/>
+                  </a:schemeClr>
+                </a:solidFill>
+              </a:defRPr>
+            </a:lvl7pPr>
+            <a:lvl8pPr indent="0" algn="ctr">
+              <a:spcBef>
+                <a:spcPct val="20000"/>
+              </a:spcBef>
+              <a:spcAft>
+                <a:spcPts val="300"/>
+              </a:spcAft>
+              <a:buClr>
+                <a:schemeClr val="accent6">
+                  <a:lumMod val="75000"/>
+                </a:schemeClr>
+              </a:buClr>
+              <a:buSzPct val="130000"/>
+              <a:buFont typeface="Georgia" pitchFamily="18" charset="0"/>
+              <a:buNone/>
+              <a:defRPr sz="1400">
+                <a:solidFill>
+                  <a:schemeClr val="tx1">
+                    <a:tint val="75000"/>
+                  </a:schemeClr>
+                </a:solidFill>
+              </a:defRPr>
+            </a:lvl8pPr>
+            <a:lvl9pPr indent="0" algn="ctr">
+              <a:spcBef>
+                <a:spcPct val="20000"/>
+              </a:spcBef>
+              <a:spcAft>
+                <a:spcPts val="300"/>
+              </a:spcAft>
+              <a:buClr>
+                <a:schemeClr val="accent6">
+                  <a:lumMod val="75000"/>
+                </a:schemeClr>
+              </a:buClr>
+              <a:buSzPct val="130000"/>
+              <a:buFont typeface="Georgia" pitchFamily="18" charset="0"/>
+              <a:buNone/>
+              <a:defRPr sz="1400">
+                <a:solidFill>
+                  <a:schemeClr val="tx1">
+                    <a:tint val="75000"/>
+                  </a:schemeClr>
+                </a:solidFill>
+              </a:defRPr>
+            </a:lvl9pPr>
+          </a:lstStyle>
+          <a:p>
+            <a:pPr algn="l"/>
+            <a:r>
+              <a:rPr lang="uk-UA" dirty="0" smtClean="0"/>
+              <a:t>Студент 541 групи:</a:t>
+            </a:r>
+          </a:p>
+          <a:p>
+            <a:pPr algn="l"/>
+            <a:r>
+              <a:rPr lang="uk-UA" dirty="0" err="1" smtClean="0"/>
+              <a:t>Гудан</a:t>
+            </a:r>
+            <a:r>
+              <a:rPr lang="uk-UA" dirty="0"/>
+              <a:t> </a:t>
+            </a:r>
+            <a:r>
+              <a:rPr lang="uk-UA" dirty="0" smtClean="0"/>
+              <a:t>Ю. В.</a:t>
+            </a:r>
+          </a:p>
+          <a:p>
+            <a:pPr algn="l"/>
+            <a:r>
+              <a:rPr lang="uk-UA" dirty="0" smtClean="0"/>
+              <a:t>Керівник: </a:t>
+            </a:r>
+            <a:r>
+              <a:rPr lang="uk-UA" dirty="0" err="1" smtClean="0"/>
+              <a:t>Серьогіна</a:t>
+            </a:r>
+            <a:r>
+              <a:rPr lang="uk-UA" dirty="0" smtClean="0"/>
+              <a:t> І.В.</a:t>
+            </a:r>
+            <a:endParaRPr lang="uk-UA" dirty="0"/>
+          </a:p>
+          <a:p>
+            <a:endParaRPr lang="ru-RU" dirty="0"/>
+          </a:p>
+        </p:txBody>
+      </p:sp>
+      <p:sp>
+        <p:nvSpPr>
+          <p:cNvPr id="6" name="Прямоугольник 5"/>
+          <p:cNvSpPr/>
+          <p:nvPr/>
+        </p:nvSpPr>
+        <p:spPr>
+          <a:xfrm>
+            <a:off x="1080121" y="2875002"/>
+            <a:ext cx="8063879" cy="461665"/>
+          </a:xfrm>
+          <a:prstGeom prst="rect">
+            <a:avLst/>
+          </a:prstGeom>
+        </p:spPr>
+        <p:txBody>
+          <a:bodyPr wrap="square">
+            <a:spAutoFit/>
+          </a:bodyPr>
+          <a:lstStyle/>
+          <a:p>
+            <a:pPr algn="ctr"/>
+            <a:r>
+              <a:rPr lang="uk-UA" sz="2400" dirty="0"/>
+              <a:t>На тему:</a:t>
+            </a:r>
+          </a:p>
+        </p:txBody>
+      </p:sp>
+    </p:spTree>
+    <p:extLst>
+      <p:ext uri="{BB962C8B-B14F-4D97-AF65-F5344CB8AC3E}">
+        <p14:creationId xmlns:p14="http://schemas.microsoft.com/office/powerpoint/2010/main" val="561273363"/>
+      </p:ext>
+    </p:extLst>
+  </p:cSld>
+  <p:clrMapOvr>
+    <a:masterClrMapping/>
+  </p:clrMapOvr>
+</p:sld>
+</file>
+
+<file path=ppt/slides/slide2.xml><?xml version="1.0" encoding="utf-8"?>
+<p:sld xmlns:a="http://schemas.openxmlformats.org/drawingml/2006/main" xmlns:r="http://schemas.openxmlformats.org/officeDocument/2006/relationships" xmlns:p="http://schemas.openxmlformats.org/presentationml/2006/main">
+  <p:cSld>
+    <p:spTree>
+      <p:nvGrpSpPr>
+        <p:cNvPr id="1" name=""/>
+        <p:cNvGrpSpPr/>
+        <p:nvPr/>
+      </p:nvGrpSpPr>
+      <p:grpSpPr>
+        <a:xfrm>
+          <a:off x="0" y="0"/>
+          <a:ext cx="0" cy="0"/>
+          <a:chOff x="0" y="0"/>
+          <a:chExt cx="0" cy="0"/>
+        </a:xfrm>
+      </p:grpSpPr>
+      <p:sp>
+        <p:nvSpPr>
+          <p:cNvPr id="2" name="Заголовок 1"/>
+          <p:cNvSpPr>
+            <a:spLocks noGrp="1"/>
+          </p:cNvSpPr>
+          <p:nvPr>
+            <p:ph type="title"/>
+          </p:nvPr>
+        </p:nvSpPr>
+        <p:spPr/>
+        <p:txBody>
+          <a:bodyPr/>
+          <a:lstStyle/>
+          <a:p>
+            <a:endParaRPr lang="ru-RU" dirty="0"/>
+          </a:p>
+        </p:txBody>
+      </p:sp>
+      <p:sp>
+        <p:nvSpPr>
+          <p:cNvPr id="3" name="Объект 2"/>
+          <p:cNvSpPr>
+            <a:spLocks noGrp="1"/>
+          </p:cNvSpPr>
+          <p:nvPr>
+            <p:ph idx="1"/>
+          </p:nvPr>
+        </p:nvSpPr>
+        <p:spPr/>
+        <p:txBody>
+          <a:bodyPr/>
+          <a:lstStyle/>
+          <a:p>
+            <a:r>
+              <a:rPr lang="en-US" dirty="0" err="1" smtClean="0"/>
+              <a:t>Qasdasd</a:t>
+            </a:r>
+            <a:endParaRPr lang="en-US" dirty="0" smtClean="0"/>
+          </a:p>
+          <a:p>
+            <a:r>
+              <a:rPr lang="en-US" dirty="0" err="1" smtClean="0"/>
+              <a:t>Asdasd</a:t>
+            </a:r>
+            <a:endParaRPr lang="en-US" dirty="0" smtClean="0"/>
+          </a:p>
+          <a:p>
+            <a:r>
+              <a:rPr lang="en-US" dirty="0" err="1" smtClean="0"/>
+              <a:t>asdasd</a:t>
+            </a:r>
+            <a:endParaRPr lang="en-US" dirty="0" smtClean="0"/>
+          </a:p>
+          <a:p>
+            <a:endParaRPr lang="ru-RU" dirty="0"/>
+          </a:p>
+        </p:txBody>
+      </p:sp>
+    </p:spTree>
+    <p:extLst>
+      <p:ext uri="{BB962C8B-B14F-4D97-AF65-F5344CB8AC3E}">
+        <p14:creationId xmlns:p14="http://schemas.microsoft.com/office/powerpoint/2010/main" val="2719804951"/>
+      </p:ext>
+    </p:extLst>
+  </p:cSld>
+  <p:clrMapOvr>
+    <a:masterClrMapping/>
+  </p:clrMapOvr>
+</p:sld>
+</file>
+
 <file path=ppt/theme/theme1.xml><?xml version="1.0" encoding="utf-8"?>
-<a:theme xmlns:a="http://schemas.openxmlformats.org/drawingml/2006/main" name="Тема Office">
+<a:theme xmlns:a="http://schemas.openxmlformats.org/drawingml/2006/main" name="Поток">
   <a:themeElements>
-    <a:clrScheme name="Стандартная">
+    <a:clrScheme name="Поток">
       <a:dk1>
         <a:sysClr val="windowText" lastClr="000000"/>
       </a:dk1>
@@ -3026,80 +4581,46 @@
         <a:sysClr val="window" lastClr="FFFFFF"/>
       </a:lt1>
       <a:dk2>
-        <a:srgbClr val="1F497D"/>
+        <a:srgbClr val="04617B"/>
       </a:dk2>
       <a:lt2>
-        <a:srgbClr val="EEECE1"/>
+        <a:srgbClr val="DBF5F9"/>
       </a:lt2>
       <a:accent1>
-        <a:srgbClr val="4F81BD"/>
+        <a:srgbClr val="0F6FC6"/>
       </a:accent1>
       <a:accent2>
-        <a:srgbClr val="C0504D"/>
+        <a:srgbClr val="009DD9"/>
       </a:accent2>
       <a:accent3>
-        <a:srgbClr val="9BBB59"/>
+        <a:srgbClr val="0BD0D9"/>
       </a:accent3>
       <a:accent4>
-        <a:srgbClr val="8064A2"/>
+        <a:srgbClr val="10CF9B"/>
       </a:accent4>
       <a:accent5>
-        <a:srgbClr val="4BACC6"/>
+        <a:srgbClr val="7CCA62"/>
       </a:accent5>
       <a:accent6>
-        <a:srgbClr val="F79646"/>
+        <a:srgbClr val="A5C249"/>
       </a:accent6>
       <a:hlink>
-        <a:srgbClr val="0000FF"/>
+        <a:srgbClr val="F49100"/>
       </a:hlink>
       <a:folHlink>
-        <a:srgbClr val="800080"/>
+        <a:srgbClr val="85DFD0"/>
       </a:folHlink>
     </a:clrScheme>
-    <a:fontScheme name="Стандартная">
+    <a:fontScheme name="Поток">
       <a:majorFont>
         <a:latin typeface="Calibri"/>
         <a:ea typeface=""/>
         <a:cs typeface=""/>
         <a:font script="Jpan" typeface="ＭＳ Ｐゴシック"/>
-        <a:font script="Hang" typeface="맑은 고딕"/>
-        <a:font script="Hans" typeface="宋体"/>
-        <a:font script="Hant" typeface="新細明體"/>
-        <a:font script="Arab" typeface="Times New Roman"/>
-        <a:font script="Hebr" typeface="Times New Roman"/>
-        <a:font script="Thai" typeface="Angsana New"/>
-        <a:font script="Ethi" typeface="Nyala"/>
-        <a:font script="Beng" typeface="Vrinda"/>
-        <a:font script="Gujr" typeface="Shruti"/>
-        <a:font script="Khmr" typeface="MoolBoran"/>
-        <a:font script="Knda" typeface="Tunga"/>
-        <a:font script="Guru" typeface="Raavi"/>
-        <a:font script="Cans" typeface="Euphemia"/>
-        <a:font script="Cher" typeface="Plantagenet Cherokee"/>
-        <a:font script="Yiii" typeface="Microsoft Yi Baiti"/>
-        <a:font script="Tibt" typeface="Microsoft Himalaya"/>
-        <a:font script="Thaa" typeface="MV Boli"/>
-        <a:font script="Deva" typeface="Mangal"/>
-        <a:font script="Telu" typeface="Gautami"/>
-        <a:font script="Taml" typeface="Latha"/>
-        <a:font script="Syrc" typeface="Estrangelo Edessa"/>
-        <a:font script="Orya" typeface="Kalinga"/>
-        <a:font script="Mlym" typeface="Kartika"/>
-        <a:font script="Laoo" typeface="DokChampa"/>
-        <a:font script="Sinh" typeface="Iskoola Pota"/>
-        <a:font script="Mong" typeface="Mongolian Baiti"/>
-        <a:font script="Viet" typeface="Times New Roman"/>
-        <a:font script="Uigh" typeface="Microsoft Uighur"/>
-      </a:majorFont>
-      <a:minorFont>
-        <a:latin typeface="Calibri"/>
-        <a:ea typeface=""/>
-        <a:cs typeface=""/>
-        <a:font script="Jpan" typeface="ＭＳ Ｐゴシック"/>
-        <a:font script="Hang" typeface="맑은 고딕"/>
-        <a:font script="Hans" typeface="宋体"/>
-        <a:font script="Hant" typeface="新細明體"/>
-        <a:font script="Arab" typeface="Arial"/>
+        <a:font script="Hang" typeface="HY중고딕"/>
+        <a:font script="Hans" typeface="隶书"/>
+        <a:font script="Hant" typeface="微軟正黑體"/>
+        <a:font script="Arab" typeface="Traditional Arabic"/>
         <a:font script="Hebr" typeface="Arial"/>
         <a:font script="Thai" typeface="Cordia New"/>
         <a:font script="Ethi" typeface="Nyala"/>
@@ -3124,9 +4645,43 @@
         <a:font script="Mong" typeface="Mongolian Baiti"/>
         <a:font script="Viet" typeface="Arial"/>
         <a:font script="Uigh" typeface="Microsoft Uighur"/>
+      </a:majorFont>
+      <a:minorFont>
+        <a:latin typeface="Constantia"/>
+        <a:ea typeface=""/>
+        <a:cs typeface=""/>
+        <a:font script="Jpan" typeface="HGP明朝E"/>
+        <a:font script="Hang" typeface="HY신명조"/>
+        <a:font script="Hans" typeface="宋体"/>
+        <a:font script="Hant" typeface="新細明體"/>
+        <a:font script="Arab" typeface="Majalla UI"/>
+        <a:font script="Hebr" typeface="David"/>
+        <a:font script="Thai" typeface="Browallia New"/>
+        <a:font script="Ethi" typeface="Nyala"/>
+        <a:font script="Beng" typeface="Vrinda"/>
+        <a:font script="Gujr" typeface="Shruti"/>
+        <a:font script="Khmr" typeface="MoolBoran"/>
+        <a:font script="Knda" typeface="Tunga"/>
+        <a:font script="Guru" typeface="Raavi"/>
+        <a:font script="Cans" typeface="Euphemia"/>
+        <a:font script="Cher" typeface="Plantagenet Cherokee"/>
+        <a:font script="Yiii" typeface="Microsoft Yi Baiti"/>
+        <a:font script="Tibt" typeface="Microsoft Himalaya"/>
+        <a:font script="Thaa" typeface="MV Boli"/>
+        <a:font script="Deva" typeface="Mangal"/>
+        <a:font script="Telu" typeface="Gautami"/>
+        <a:font script="Taml" typeface="Latha"/>
+        <a:font script="Syrc" typeface="Estrangelo Edessa"/>
+        <a:font script="Orya" typeface="Kalinga"/>
+        <a:font script="Mlym" typeface="Kartika"/>
+        <a:font script="Laoo" typeface="DokChampa"/>
+        <a:font script="Sinh" typeface="Iskoola Pota"/>
+        <a:font script="Mong" typeface="Mongolian Baiti"/>
+        <a:font script="Viet" typeface="Times New Roman"/>
+        <a:font script="Uigh" typeface="Microsoft Uighur"/>
       </a:minorFont>
     </a:fontScheme>
-    <a:fmtScheme name="Стандартная">
+    <a:fmtScheme name="Поток">
       <a:fillStyleLst>
         <a:solidFill>
           <a:schemeClr val="phClr"/>
@@ -3135,55 +4690,66 @@
           <a:gsLst>
             <a:gs pos="0">
               <a:schemeClr val="phClr">
-                <a:tint val="50000"/>
-                <a:satMod val="300000"/>
+                <a:tint val="70000"/>
+                <a:satMod val="130000"/>
               </a:schemeClr>
             </a:gs>
-            <a:gs pos="35000">
+            <a:gs pos="43000">
               <a:schemeClr val="phClr">
-                <a:tint val="37000"/>
-                <a:satMod val="300000"/>
+                <a:tint val="44000"/>
+                <a:satMod val="165000"/>
+              </a:schemeClr>
+            </a:gs>
+            <a:gs pos="93000">
+              <a:schemeClr val="phClr">
+                <a:tint val="15000"/>
+                <a:satMod val="165000"/>
               </a:schemeClr>
             </a:gs>
             <a:gs pos="100000">
               <a:schemeClr val="phClr">
-                <a:tint val="15000"/>
-                <a:satMod val="350000"/>
+                <a:tint val="5000"/>
+                <a:satMod val="250000"/>
               </a:schemeClr>
             </a:gs>
           </a:gsLst>
-          <a:lin ang="16200000" scaled="1"/>
+          <a:path path="circle">
+            <a:fillToRect l="50000" t="130000" r="50000" b="-30000"/>
+          </a:path>
         </a:gradFill>
         <a:gradFill rotWithShape="1">
           <a:gsLst>
             <a:gs pos="0">
               <a:schemeClr val="phClr">
-                <a:shade val="51000"/>
-                <a:satMod val="130000"/>
+                <a:tint val="98000"/>
+                <a:shade val="25000"/>
+                <a:satMod val="250000"/>
               </a:schemeClr>
             </a:gs>
-            <a:gs pos="80000">
+            <a:gs pos="68000">
               <a:schemeClr val="phClr">
-                <a:shade val="93000"/>
-                <a:satMod val="130000"/>
+                <a:tint val="86000"/>
+                <a:satMod val="115000"/>
               </a:schemeClr>
             </a:gs>
             <a:gs pos="100000">
               <a:schemeClr val="phClr">
-                <a:shade val="94000"/>
-                <a:satMod val="135000"/>
+                <a:tint val="50000"/>
+                <a:satMod val="150000"/>
               </a:schemeClr>
             </a:gs>
           </a:gsLst>
-          <a:lin ang="16200000" scaled="0"/>
+          <a:path path="circle">
+            <a:fillToRect l="50000" t="130000" r="50000" b="-30000"/>
+          </a:path>
         </a:gradFill>
       </a:fillStyleLst>
       <a:lnStyleLst>
         <a:ln w="9525" cap="flat" cmpd="sng" algn="ctr">
           <a:solidFill>
             <a:schemeClr val="phClr">
-              <a:shade val="95000"/>
-              <a:satMod val="105000"/>
+              <a:shade val="50000"/>
+              <a:satMod val="103000"/>
             </a:schemeClr>
           </a:solidFill>
           <a:prstDash val="solid"/>
@@ -3204,40 +4770,46 @@
       <a:effectStyleLst>
         <a:effectStyle>
           <a:effectLst>
-            <a:outerShdw blurRad="40000" dist="20000" dir="5400000" rotWithShape="0">
-              <a:srgbClr val="000000">
-                <a:alpha val="38000"/>
-              </a:srgbClr>
+            <a:outerShdw blurRad="57150" dist="38100" dir="5400000" algn="ctr" rotWithShape="0">
+              <a:schemeClr val="phClr">
+                <a:shade val="9000"/>
+                <a:alpha val="48000"/>
+                <a:satMod val="105000"/>
+              </a:schemeClr>
             </a:outerShdw>
           </a:effectLst>
         </a:effectStyle>
         <a:effectStyle>
           <a:effectLst>
-            <a:outerShdw blurRad="40000" dist="23000" dir="5400000" rotWithShape="0">
-              <a:srgbClr val="000000">
-                <a:alpha val="35000"/>
-              </a:srgbClr>
+            <a:outerShdw blurRad="57150" dist="38100" dir="5400000" algn="ctr" rotWithShape="0">
+              <a:schemeClr val="phClr">
+                <a:shade val="9000"/>
+                <a:alpha val="48000"/>
+                <a:satMod val="105000"/>
+              </a:schemeClr>
             </a:outerShdw>
           </a:effectLst>
         </a:effectStyle>
         <a:effectStyle>
           <a:effectLst>
-            <a:outerShdw blurRad="40000" dist="23000" dir="5400000" rotWithShape="0">
-              <a:srgbClr val="000000">
-                <a:alpha val="35000"/>
-              </a:srgbClr>
+            <a:outerShdw blurRad="57150" dist="38100" dir="5400000" algn="ctr" rotWithShape="0">
+              <a:schemeClr val="phClr">
+                <a:shade val="9000"/>
+                <a:alpha val="48000"/>
+                <a:satMod val="105000"/>
+              </a:schemeClr>
             </a:outerShdw>
           </a:effectLst>
           <a:scene3d>
             <a:camera prst="orthographicFront">
               <a:rot lat="0" lon="0" rev="0"/>
             </a:camera>
-            <a:lightRig rig="threePt" dir="t">
-              <a:rot lat="0" lon="0" rev="1200000"/>
+            <a:lightRig rig="glow" dir="tl">
+              <a:rot lat="0" lon="0" rev="900000"/>
             </a:lightRig>
           </a:scene3d>
-          <a:sp3d>
-            <a:bevelT w="63500" h="25400"/>
+          <a:sp3d prstMaterial="powder">
+            <a:bevelT w="25400" h="38100"/>
           </a:sp3d>
         </a:effectStyle>
       </a:effectStyleLst>
@@ -3249,47 +4821,42 @@
           <a:gsLst>
             <a:gs pos="0">
               <a:schemeClr val="phClr">
-                <a:tint val="40000"/>
-                <a:satMod val="350000"/>
+                <a:tint val="80000"/>
+                <a:satMod val="400000"/>
               </a:schemeClr>
             </a:gs>
-            <a:gs pos="40000">
+            <a:gs pos="25000">
               <a:schemeClr val="phClr">
-                <a:tint val="45000"/>
-                <a:shade val="99000"/>
-                <a:satMod val="350000"/>
+                <a:tint val="83000"/>
+                <a:satMod val="320000"/>
               </a:schemeClr>
             </a:gs>
             <a:gs pos="100000">
               <a:schemeClr val="phClr">
-                <a:shade val="20000"/>
-                <a:satMod val="255000"/>
+                <a:shade val="15000"/>
+                <a:satMod val="320000"/>
               </a:schemeClr>
             </a:gs>
           </a:gsLst>
           <a:path path="circle">
-            <a:fillToRect l="50000" t="-80000" r="50000" b="180000"/>
+            <a:fillToRect l="10000" t="110000" r="10000" b="100000"/>
           </a:path>
         </a:gradFill>
-        <a:gradFill rotWithShape="1">
-          <a:gsLst>
-            <a:gs pos="0">
+        <a:blipFill>
+          <a:blip xmlns:r="http://schemas.openxmlformats.org/officeDocument/2006/relationships" r:embed="rId1">
+            <a:duotone>
               <a:schemeClr val="phClr">
-                <a:tint val="80000"/>
-                <a:satMod val="300000"/>
+                <a:shade val="90000"/>
+                <a:satMod val="150000"/>
               </a:schemeClr>
-            </a:gs>
-            <a:gs pos="100000">
               <a:schemeClr val="phClr">
-                <a:shade val="30000"/>
-                <a:satMod val="200000"/>
+                <a:tint val="88000"/>
+                <a:satMod val="150000"/>
               </a:schemeClr>
-            </a:gs>
-          </a:gsLst>
-          <a:path path="circle">
-            <a:fillToRect l="50000" t="50000" r="50000" b="50000"/>
-          </a:path>
-        </a:gradFill>
+            </a:duotone>
+          </a:blip>
+          <a:tile tx="0" ty="0" sx="65000" sy="65000" flip="none" algn="tl"/>
+        </a:blipFill>
       </a:bgFillStyleLst>
     </a:fmtScheme>
   </a:themeElements>
